--- a/presentation.pptx
+++ b/presentation.pptx
@@ -1,21 +1,22 @@
 
 <file path=ppt/presentation.xml><?xml version="1.0" encoding="utf-8"?>
-<p:presentation xmlns:a="http://schemas.openxmlformats.org/drawingml/2006/main" xmlns:r="http://schemas.openxmlformats.org/officeDocument/2006/relationships" xmlns:mc="http://schemas.openxmlformats.org/markup-compatibility/2006" xmlns:mv="urn:schemas-microsoft-com:mac:vml" xmlns:p="http://schemas.openxmlformats.org/presentationml/2006/main" xmlns:c="http://schemas.openxmlformats.org/drawingml/2006/chart" xmlns:dgm="http://schemas.openxmlformats.org/drawingml/2006/diagram" xmlns:o="urn:schemas-microsoft-com:office:office" xmlns:v="urn:schemas-microsoft-com:vml" xmlns:pvml="urn:schemas-microsoft-com:office:powerpoint" xmlns:com="http://schemas.openxmlformats.org/drawingml/2006/compatibility" xmlns:p14="http://schemas.microsoft.com/office/powerpoint/2010/main" autoCompressPictures="0" strictFirstAndLastChars="0" saveSubsetFonts="1">
+<p:presentation xmlns:a="http://schemas.openxmlformats.org/drawingml/2006/main" xmlns:r="http://schemas.openxmlformats.org/officeDocument/2006/relationships" xmlns:p="http://schemas.openxmlformats.org/presentationml/2006/main" strictFirstAndLastChars="0" saveSubsetFonts="1" autoCompressPictures="0">
   <p:sldMasterIdLst>
-    <p:sldMasterId id="2147483659" r:id="rId3"/>
+    <p:sldMasterId id="2147483659" r:id="rId1"/>
   </p:sldMasterIdLst>
   <p:notesMasterIdLst>
-    <p:notesMasterId r:id="rId4"/>
+    <p:notesMasterId r:id="rId6"/>
   </p:notesMasterIdLst>
   <p:sldIdLst>
-    <p:sldId id="256" r:id="rId5"/>
-    <p:sldId id="257" r:id="rId6"/>
-    <p:sldId id="258" r:id="rId7"/>
+    <p:sldId id="256" r:id="rId2"/>
+    <p:sldId id="259" r:id="rId3"/>
+    <p:sldId id="257" r:id="rId4"/>
+    <p:sldId id="258" r:id="rId5"/>
   </p:sldIdLst>
-  <p:sldSz cy="5143500" cx="9144000"/>
+  <p:sldSz cx="9144000" cy="5143500" type="screen16x9"/>
   <p:notesSz cx="6858000" cy="9144000"/>
   <p:defaultTextStyle>
-    <a:defPPr lvl="0" marR="0" rtl="0" algn="l">
+    <a:defPPr marR="0" lvl="0" algn="l" rtl="0">
       <a:lnSpc>
         <a:spcPct val="100000"/>
       </a:lnSpc>
@@ -26,7 +27,7 @@
         <a:spcPts val="0"/>
       </a:spcAft>
     </a:defPPr>
-    <a:lvl1pPr lvl="0" marR="0" rtl="0" algn="l">
+    <a:lvl1pPr marR="0" lvl="0" algn="l" rtl="0">
       <a:lnSpc>
         <a:spcPct val="100000"/>
       </a:lnSpc>
@@ -37,7 +38,7 @@
         <a:spcPts val="0"/>
       </a:spcAft>
       <a:buNone/>
-      <a:defRPr b="0" i="0" sz="1400" u="none" cap="none" strike="noStrike">
+      <a:defRPr sz="1400" b="0" i="0" u="none" strike="noStrike" cap="none">
         <a:solidFill>
           <a:srgbClr val="000000"/>
         </a:solidFill>
@@ -47,7 +48,7 @@
         <a:sym typeface="Arial"/>
       </a:defRPr>
     </a:lvl1pPr>
-    <a:lvl2pPr lvl="1" marR="0" rtl="0" algn="l">
+    <a:lvl2pPr marR="0" lvl="1" algn="l" rtl="0">
       <a:lnSpc>
         <a:spcPct val="100000"/>
       </a:lnSpc>
@@ -58,7 +59,7 @@
         <a:spcPts val="0"/>
       </a:spcAft>
       <a:buNone/>
-      <a:defRPr b="0" i="0" sz="1400" u="none" cap="none" strike="noStrike">
+      <a:defRPr sz="1400" b="0" i="0" u="none" strike="noStrike" cap="none">
         <a:solidFill>
           <a:srgbClr val="000000"/>
         </a:solidFill>
@@ -68,7 +69,7 @@
         <a:sym typeface="Arial"/>
       </a:defRPr>
     </a:lvl2pPr>
-    <a:lvl3pPr lvl="2" marR="0" rtl="0" algn="l">
+    <a:lvl3pPr marR="0" lvl="2" algn="l" rtl="0">
       <a:lnSpc>
         <a:spcPct val="100000"/>
       </a:lnSpc>
@@ -79,7 +80,7 @@
         <a:spcPts val="0"/>
       </a:spcAft>
       <a:buNone/>
-      <a:defRPr b="0" i="0" sz="1400" u="none" cap="none" strike="noStrike">
+      <a:defRPr sz="1400" b="0" i="0" u="none" strike="noStrike" cap="none">
         <a:solidFill>
           <a:srgbClr val="000000"/>
         </a:solidFill>
@@ -89,7 +90,7 @@
         <a:sym typeface="Arial"/>
       </a:defRPr>
     </a:lvl3pPr>
-    <a:lvl4pPr lvl="3" marR="0" rtl="0" algn="l">
+    <a:lvl4pPr marR="0" lvl="3" algn="l" rtl="0">
       <a:lnSpc>
         <a:spcPct val="100000"/>
       </a:lnSpc>
@@ -100,7 +101,7 @@
         <a:spcPts val="0"/>
       </a:spcAft>
       <a:buNone/>
-      <a:defRPr b="0" i="0" sz="1400" u="none" cap="none" strike="noStrike">
+      <a:defRPr sz="1400" b="0" i="0" u="none" strike="noStrike" cap="none">
         <a:solidFill>
           <a:srgbClr val="000000"/>
         </a:solidFill>
@@ -110,7 +111,7 @@
         <a:sym typeface="Arial"/>
       </a:defRPr>
     </a:lvl4pPr>
-    <a:lvl5pPr lvl="4" marR="0" rtl="0" algn="l">
+    <a:lvl5pPr marR="0" lvl="4" algn="l" rtl="0">
       <a:lnSpc>
         <a:spcPct val="100000"/>
       </a:lnSpc>
@@ -121,7 +122,7 @@
         <a:spcPts val="0"/>
       </a:spcAft>
       <a:buNone/>
-      <a:defRPr b="0" i="0" sz="1400" u="none" cap="none" strike="noStrike">
+      <a:defRPr sz="1400" b="0" i="0" u="none" strike="noStrike" cap="none">
         <a:solidFill>
           <a:srgbClr val="000000"/>
         </a:solidFill>
@@ -131,7 +132,7 @@
         <a:sym typeface="Arial"/>
       </a:defRPr>
     </a:lvl5pPr>
-    <a:lvl6pPr lvl="5" marR="0" rtl="0" algn="l">
+    <a:lvl6pPr marR="0" lvl="5" algn="l" rtl="0">
       <a:lnSpc>
         <a:spcPct val="100000"/>
       </a:lnSpc>
@@ -142,7 +143,7 @@
         <a:spcPts val="0"/>
       </a:spcAft>
       <a:buNone/>
-      <a:defRPr b="0" i="0" sz="1400" u="none" cap="none" strike="noStrike">
+      <a:defRPr sz="1400" b="0" i="0" u="none" strike="noStrike" cap="none">
         <a:solidFill>
           <a:srgbClr val="000000"/>
         </a:solidFill>
@@ -152,7 +153,7 @@
         <a:sym typeface="Arial"/>
       </a:defRPr>
     </a:lvl6pPr>
-    <a:lvl7pPr lvl="6" marR="0" rtl="0" algn="l">
+    <a:lvl7pPr marR="0" lvl="6" algn="l" rtl="0">
       <a:lnSpc>
         <a:spcPct val="100000"/>
       </a:lnSpc>
@@ -163,7 +164,7 @@
         <a:spcPts val="0"/>
       </a:spcAft>
       <a:buNone/>
-      <a:defRPr b="0" i="0" sz="1400" u="none" cap="none" strike="noStrike">
+      <a:defRPr sz="1400" b="0" i="0" u="none" strike="noStrike" cap="none">
         <a:solidFill>
           <a:srgbClr val="000000"/>
         </a:solidFill>
@@ -173,7 +174,7 @@
         <a:sym typeface="Arial"/>
       </a:defRPr>
     </a:lvl7pPr>
-    <a:lvl8pPr lvl="7" marR="0" rtl="0" algn="l">
+    <a:lvl8pPr marR="0" lvl="7" algn="l" rtl="0">
       <a:lnSpc>
         <a:spcPct val="100000"/>
       </a:lnSpc>
@@ -184,7 +185,7 @@
         <a:spcPts val="0"/>
       </a:spcAft>
       <a:buNone/>
-      <a:defRPr b="0" i="0" sz="1400" u="none" cap="none" strike="noStrike">
+      <a:defRPr sz="1400" b="0" i="0" u="none" strike="noStrike" cap="none">
         <a:solidFill>
           <a:srgbClr val="000000"/>
         </a:solidFill>
@@ -194,7 +195,7 @@
         <a:sym typeface="Arial"/>
       </a:defRPr>
     </a:lvl8pPr>
-    <a:lvl9pPr lvl="8" marR="0" rtl="0" algn="l">
+    <a:lvl9pPr marR="0" lvl="8" algn="l" rtl="0">
       <a:lnSpc>
         <a:spcPct val="100000"/>
       </a:lnSpc>
@@ -205,7 +206,7 @@
         <a:spcPts val="0"/>
       </a:spcAft>
       <a:buNone/>
-      <a:defRPr b="0" i="0" sz="1400" u="none" cap="none" strike="noStrike">
+      <a:defRPr sz="1400" b="0" i="0" u="none" strike="noStrike" cap="none">
         <a:solidFill>
           <a:srgbClr val="000000"/>
         </a:solidFill>
@@ -220,11 +221,16 @@
 </file>
 
 <file path=ppt/notesMasters/notesMaster1.xml><?xml version="1.0" encoding="utf-8"?>
-<p:notesMaster xmlns:a="http://schemas.openxmlformats.org/drawingml/2006/main" xmlns:r="http://schemas.openxmlformats.org/officeDocument/2006/relationships" xmlns:mc="http://schemas.openxmlformats.org/markup-compatibility/2006" xmlns:mv="urn:schemas-microsoft-com:mac:vml" xmlns:p="http://schemas.openxmlformats.org/presentationml/2006/main" xmlns:c="http://schemas.openxmlformats.org/drawingml/2006/chart" xmlns:dgm="http://schemas.openxmlformats.org/drawingml/2006/diagram" xmlns:o="urn:schemas-microsoft-com:office:office" xmlns:v="urn:schemas-microsoft-com:vml" xmlns:pvml="urn:schemas-microsoft-com:office:powerpoint" xmlns:com="http://schemas.openxmlformats.org/drawingml/2006/compatibility" xmlns:p14="http://schemas.microsoft.com/office/powerpoint/2010/main">
+<p:notesMaster xmlns:a="http://schemas.openxmlformats.org/drawingml/2006/main" xmlns:r="http://schemas.openxmlformats.org/officeDocument/2006/relationships" xmlns:p="http://schemas.openxmlformats.org/presentationml/2006/main">
   <p:cSld>
+    <p:bg>
+      <p:bgRef idx="1001">
+        <a:schemeClr val="bg1"/>
+      </p:bgRef>
+    </p:bg>
     <p:spTree>
       <p:nvGrpSpPr>
-        <p:cNvPr id="2" name="Shape 2"/>
+        <p:cNvPr id="1" name="Shape 2"/>
         <p:cNvGrpSpPr/>
         <p:nvPr/>
       </p:nvGrpSpPr>
@@ -239,9 +245,11 @@
       <p:sp>
         <p:nvSpPr>
           <p:cNvPr id="3" name="Shape 3"/>
-          <p:cNvSpPr/>
+          <p:cNvSpPr>
+            <a:spLocks noGrp="1" noRot="1" noChangeAspect="1"/>
+          </p:cNvSpPr>
           <p:nvPr>
-            <p:ph idx="2" type="sldImg"/>
+            <p:ph type="sldImg" idx="2"/>
           </p:nvPr>
         </p:nvSpPr>
         <p:spPr>
@@ -250,8 +258,13 @@
             <a:ext cx="6096075" cy="3429000"/>
           </a:xfrm>
           <a:custGeom>
+            <a:avLst/>
+            <a:gdLst/>
+            <a:ahLst/>
+            <a:cxnLst/>
+            <a:rect l="0" t="0" r="0" b="0"/>
             <a:pathLst>
-              <a:path extrusionOk="0" h="120000" w="120000">
+              <a:path w="120000" h="120000" extrusionOk="0">
                 <a:moveTo>
                   <a:pt x="0" y="0"/>
                 </a:moveTo>
@@ -269,23 +282,25 @@
             </a:pathLst>
           </a:custGeom>
           <a:noFill/>
-          <a:ln cap="flat" cmpd="sng" w="9525">
+          <a:ln w="9525" cap="flat" cmpd="sng">
             <a:solidFill>
               <a:srgbClr val="000000"/>
             </a:solidFill>
             <a:prstDash val="solid"/>
             <a:round/>
-            <a:headEnd len="med" w="med" type="none"/>
-            <a:tailEnd len="med" w="med" type="none"/>
+            <a:headEnd type="none" w="med" len="med"/>
+            <a:tailEnd type="none" w="med" len="med"/>
           </a:ln>
         </p:spPr>
       </p:sp>
       <p:sp>
         <p:nvSpPr>
           <p:cNvPr id="4" name="Shape 4"/>
-          <p:cNvSpPr txBox="1"/>
+          <p:cNvSpPr txBox="1">
+            <a:spLocks noGrp="1"/>
+          </p:cNvSpPr>
           <p:nvPr>
-            <p:ph idx="1" type="body"/>
+            <p:ph type="body" idx="1"/>
           </p:nvPr>
         </p:nvSpPr>
         <p:spPr>
@@ -302,7 +317,7 @@
           </a:ln>
         </p:spPr>
         <p:txBody>
-          <a:bodyPr anchorCtr="0" anchor="t" bIns="91425" lIns="91425" rIns="91425" tIns="91425"/>
+          <a:bodyPr lIns="91425" tIns="91425" rIns="91425" bIns="91425" anchor="t" anchorCtr="0"/>
           <a:lstStyle>
             <a:lvl1pPr lvl="0">
               <a:spcBef>
@@ -359,21 +374,120 @@
               <a:defRPr sz="1100"/>
             </a:lvl9pPr>
           </a:lstStyle>
-          <a:p/>
+          <a:p>
+            <a:endParaRPr/>
+          </a:p>
         </p:txBody>
       </p:sp>
     </p:spTree>
+    <p:extLst>
+      <p:ext uri="{BB962C8B-B14F-4D97-AF65-F5344CB8AC3E}">
+        <p14:creationId xmlns:p14="http://schemas.microsoft.com/office/powerpoint/2010/main" val="3167990773"/>
+      </p:ext>
+    </p:extLst>
   </p:cSld>
-  <p:clrMap accent1="accent1" accent2="accent2" accent3="accent3" accent4="accent4" accent5="accent5" accent6="accent6" bg1="lt1" bg2="dk2" tx1="dk1" tx2="lt2" folHlink="folHlink" hlink="hlink"/>
+  <p:clrMap bg1="lt1" tx1="dk1" bg2="dk2" tx2="lt2" accent1="accent1" accent2="accent2" accent3="accent3" accent4="accent4" accent5="accent5" accent6="accent6" hlink="hlink" folHlink="folHlink"/>
+  <p:notesStyle>
+    <a:lvl1pPr marL="0" algn="l" defTabSz="914400" rtl="0" eaLnBrk="1" latinLnBrk="0" hangingPunct="1">
+      <a:defRPr sz="1200" kern="1200">
+        <a:solidFill>
+          <a:schemeClr val="tx1"/>
+        </a:solidFill>
+        <a:latin typeface="+mn-lt"/>
+        <a:ea typeface="+mn-ea"/>
+        <a:cs typeface="+mn-cs"/>
+      </a:defRPr>
+    </a:lvl1pPr>
+    <a:lvl2pPr marL="457200" algn="l" defTabSz="914400" rtl="0" eaLnBrk="1" latinLnBrk="0" hangingPunct="1">
+      <a:defRPr sz="1200" kern="1200">
+        <a:solidFill>
+          <a:schemeClr val="tx1"/>
+        </a:solidFill>
+        <a:latin typeface="+mn-lt"/>
+        <a:ea typeface="+mn-ea"/>
+        <a:cs typeface="+mn-cs"/>
+      </a:defRPr>
+    </a:lvl2pPr>
+    <a:lvl3pPr marL="914400" algn="l" defTabSz="914400" rtl="0" eaLnBrk="1" latinLnBrk="0" hangingPunct="1">
+      <a:defRPr sz="1200" kern="1200">
+        <a:solidFill>
+          <a:schemeClr val="tx1"/>
+        </a:solidFill>
+        <a:latin typeface="+mn-lt"/>
+        <a:ea typeface="+mn-ea"/>
+        <a:cs typeface="+mn-cs"/>
+      </a:defRPr>
+    </a:lvl3pPr>
+    <a:lvl4pPr marL="1371600" algn="l" defTabSz="914400" rtl="0" eaLnBrk="1" latinLnBrk="0" hangingPunct="1">
+      <a:defRPr sz="1200" kern="1200">
+        <a:solidFill>
+          <a:schemeClr val="tx1"/>
+        </a:solidFill>
+        <a:latin typeface="+mn-lt"/>
+        <a:ea typeface="+mn-ea"/>
+        <a:cs typeface="+mn-cs"/>
+      </a:defRPr>
+    </a:lvl4pPr>
+    <a:lvl5pPr marL="1828800" algn="l" defTabSz="914400" rtl="0" eaLnBrk="1" latinLnBrk="0" hangingPunct="1">
+      <a:defRPr sz="1200" kern="1200">
+        <a:solidFill>
+          <a:schemeClr val="tx1"/>
+        </a:solidFill>
+        <a:latin typeface="+mn-lt"/>
+        <a:ea typeface="+mn-ea"/>
+        <a:cs typeface="+mn-cs"/>
+      </a:defRPr>
+    </a:lvl5pPr>
+    <a:lvl6pPr marL="2286000" algn="l" defTabSz="914400" rtl="0" eaLnBrk="1" latinLnBrk="0" hangingPunct="1">
+      <a:defRPr sz="1200" kern="1200">
+        <a:solidFill>
+          <a:schemeClr val="tx1"/>
+        </a:solidFill>
+        <a:latin typeface="+mn-lt"/>
+        <a:ea typeface="+mn-ea"/>
+        <a:cs typeface="+mn-cs"/>
+      </a:defRPr>
+    </a:lvl6pPr>
+    <a:lvl7pPr marL="2743200" algn="l" defTabSz="914400" rtl="0" eaLnBrk="1" latinLnBrk="0" hangingPunct="1">
+      <a:defRPr sz="1200" kern="1200">
+        <a:solidFill>
+          <a:schemeClr val="tx1"/>
+        </a:solidFill>
+        <a:latin typeface="+mn-lt"/>
+        <a:ea typeface="+mn-ea"/>
+        <a:cs typeface="+mn-cs"/>
+      </a:defRPr>
+    </a:lvl7pPr>
+    <a:lvl8pPr marL="3200400" algn="l" defTabSz="914400" rtl="0" eaLnBrk="1" latinLnBrk="0" hangingPunct="1">
+      <a:defRPr sz="1200" kern="1200">
+        <a:solidFill>
+          <a:schemeClr val="tx1"/>
+        </a:solidFill>
+        <a:latin typeface="+mn-lt"/>
+        <a:ea typeface="+mn-ea"/>
+        <a:cs typeface="+mn-cs"/>
+      </a:defRPr>
+    </a:lvl8pPr>
+    <a:lvl9pPr marL="3657600" algn="l" defTabSz="914400" rtl="0" eaLnBrk="1" latinLnBrk="0" hangingPunct="1">
+      <a:defRPr sz="1200" kern="1200">
+        <a:solidFill>
+          <a:schemeClr val="tx1"/>
+        </a:solidFill>
+        <a:latin typeface="+mn-lt"/>
+        <a:ea typeface="+mn-ea"/>
+        <a:cs typeface="+mn-cs"/>
+      </a:defRPr>
+    </a:lvl9pPr>
+  </p:notesStyle>
 </p:notesMaster>
 </file>
 
 <file path=ppt/notesSlides/notesSlide1.xml><?xml version="1.0" encoding="utf-8"?>
-<p:notes xmlns:a="http://schemas.openxmlformats.org/drawingml/2006/main" xmlns:r="http://schemas.openxmlformats.org/officeDocument/2006/relationships" xmlns:mc="http://schemas.openxmlformats.org/markup-compatibility/2006" xmlns:mv="urn:schemas-microsoft-com:mac:vml" xmlns:p="http://schemas.openxmlformats.org/presentationml/2006/main" xmlns:c="http://schemas.openxmlformats.org/drawingml/2006/chart" xmlns:dgm="http://schemas.openxmlformats.org/drawingml/2006/diagram" xmlns:o="urn:schemas-microsoft-com:office:office" xmlns:v="urn:schemas-microsoft-com:vml" xmlns:pvml="urn:schemas-microsoft-com:office:powerpoint" xmlns:com="http://schemas.openxmlformats.org/drawingml/2006/compatibility" xmlns:p14="http://schemas.microsoft.com/office/powerpoint/2010/main" showMasterPhAnim="0" showMasterSp="0">
+<p:notes xmlns:a="http://schemas.openxmlformats.org/drawingml/2006/main" xmlns:r="http://schemas.openxmlformats.org/officeDocument/2006/relationships" xmlns:p="http://schemas.openxmlformats.org/presentationml/2006/main" showMasterSp="0" showMasterPhAnim="0">
   <p:cSld>
     <p:spTree>
       <p:nvGrpSpPr>
-        <p:cNvPr id="50" name="Shape 50"/>
+        <p:cNvPr id="1" name="Shape 50"/>
         <p:cNvGrpSpPr/>
         <p:nvPr/>
       </p:nvGrpSpPr>
@@ -388,19 +502,26 @@
       <p:sp>
         <p:nvSpPr>
           <p:cNvPr id="51" name="Shape 51"/>
-          <p:cNvSpPr/>
+          <p:cNvSpPr>
+            <a:spLocks noGrp="1" noRot="1" noChangeAspect="1"/>
+          </p:cNvSpPr>
           <p:nvPr>
-            <p:ph idx="2" type="sldImg"/>
+            <p:ph type="sldImg" idx="2"/>
           </p:nvPr>
         </p:nvSpPr>
         <p:spPr>
           <a:xfrm>
-            <a:off x="381300" y="685800"/>
-            <a:ext cx="6096075" cy="3429000"/>
+            <a:off x="381000" y="685800"/>
+            <a:ext cx="6096000" cy="3429000"/>
           </a:xfrm>
           <a:custGeom>
+            <a:avLst/>
+            <a:gdLst/>
+            <a:ahLst/>
+            <a:cxnLst/>
+            <a:rect l="0" t="0" r="0" b="0"/>
             <a:pathLst>
-              <a:path extrusionOk="0" h="120000" w="120000">
+              <a:path w="120000" h="120000" extrusionOk="0">
                 <a:moveTo>
                   <a:pt x="0" y="0"/>
                 </a:moveTo>
@@ -422,9 +543,11 @@
       <p:sp>
         <p:nvSpPr>
           <p:cNvPr id="52" name="Shape 52"/>
-          <p:cNvSpPr txBox="1"/>
+          <p:cNvSpPr txBox="1">
+            <a:spLocks noGrp="1"/>
+          </p:cNvSpPr>
           <p:nvPr>
-            <p:ph idx="1" type="body"/>
+            <p:ph type="body" idx="1"/>
           </p:nvPr>
         </p:nvSpPr>
         <p:spPr>
@@ -437,7 +560,7 @@
           </a:prstGeom>
         </p:spPr>
         <p:txBody>
-          <a:bodyPr anchorCtr="0" anchor="t" bIns="91425" lIns="91425" rIns="91425" tIns="91425">
+          <a:bodyPr lIns="91425" tIns="91425" rIns="91425" bIns="91425" anchor="t" anchorCtr="0">
             <a:noAutofit/>
           </a:bodyPr>
           <a:lstStyle/>
@@ -448,9 +571,6 @@
               </a:spcBef>
               <a:buNone/>
             </a:pPr>
-            <a:r>
-              <a:t/>
-            </a:r>
             <a:endParaRPr/>
           </a:p>
         </p:txBody>
@@ -464,11 +584,11 @@
 </file>
 
 <file path=ppt/notesSlides/notesSlide2.xml><?xml version="1.0" encoding="utf-8"?>
-<p:notes xmlns:a="http://schemas.openxmlformats.org/drawingml/2006/main" xmlns:r="http://schemas.openxmlformats.org/officeDocument/2006/relationships" xmlns:mc="http://schemas.openxmlformats.org/markup-compatibility/2006" xmlns:mv="urn:schemas-microsoft-com:mac:vml" xmlns:p="http://schemas.openxmlformats.org/presentationml/2006/main" xmlns:c="http://schemas.openxmlformats.org/drawingml/2006/chart" xmlns:dgm="http://schemas.openxmlformats.org/drawingml/2006/diagram" xmlns:o="urn:schemas-microsoft-com:office:office" xmlns:v="urn:schemas-microsoft-com:vml" xmlns:pvml="urn:schemas-microsoft-com:office:powerpoint" xmlns:com="http://schemas.openxmlformats.org/drawingml/2006/compatibility" xmlns:p14="http://schemas.microsoft.com/office/powerpoint/2010/main" showMasterPhAnim="0" showMasterSp="0">
+<p:notes xmlns:a="http://schemas.openxmlformats.org/drawingml/2006/main" xmlns:r="http://schemas.openxmlformats.org/officeDocument/2006/relationships" xmlns:p="http://schemas.openxmlformats.org/presentationml/2006/main" showMasterSp="0" showMasterPhAnim="0">
   <p:cSld>
     <p:spTree>
       <p:nvGrpSpPr>
-        <p:cNvPr id="58" name="Shape 58"/>
+        <p:cNvPr id="1" name="Shape 58"/>
         <p:cNvGrpSpPr/>
         <p:nvPr/>
       </p:nvGrpSpPr>
@@ -483,19 +603,26 @@
       <p:sp>
         <p:nvSpPr>
           <p:cNvPr id="59" name="Shape 59"/>
-          <p:cNvSpPr/>
+          <p:cNvSpPr>
+            <a:spLocks noGrp="1" noRot="1" noChangeAspect="1"/>
+          </p:cNvSpPr>
           <p:nvPr>
-            <p:ph idx="2" type="sldImg"/>
+            <p:ph type="sldImg" idx="2"/>
           </p:nvPr>
         </p:nvSpPr>
         <p:spPr>
           <a:xfrm>
-            <a:off x="381300" y="685800"/>
+            <a:off x="381000" y="685800"/>
             <a:ext cx="6096000" cy="3429000"/>
           </a:xfrm>
           <a:custGeom>
+            <a:avLst/>
+            <a:gdLst/>
+            <a:ahLst/>
+            <a:cxnLst/>
+            <a:rect l="0" t="0" r="0" b="0"/>
             <a:pathLst>
-              <a:path extrusionOk="0" h="120000" w="120000">
+              <a:path w="120000" h="120000" extrusionOk="0">
                 <a:moveTo>
                   <a:pt x="0" y="0"/>
                 </a:moveTo>
@@ -517,9 +644,11 @@
       <p:sp>
         <p:nvSpPr>
           <p:cNvPr id="60" name="Shape 60"/>
-          <p:cNvSpPr txBox="1"/>
+          <p:cNvSpPr txBox="1">
+            <a:spLocks noGrp="1"/>
+          </p:cNvSpPr>
           <p:nvPr>
-            <p:ph idx="1" type="body"/>
+            <p:ph type="body" idx="1"/>
           </p:nvPr>
         </p:nvSpPr>
         <p:spPr>
@@ -532,7 +661,7 @@
           </a:prstGeom>
         </p:spPr>
         <p:txBody>
-          <a:bodyPr anchorCtr="0" anchor="t" bIns="91425" lIns="91425" rIns="91425" tIns="91425">
+          <a:bodyPr lIns="91425" tIns="91425" rIns="91425" bIns="91425" anchor="t" anchorCtr="0">
             <a:noAutofit/>
           </a:bodyPr>
           <a:lstStyle/>
@@ -543,9 +672,6 @@
               </a:spcBef>
               <a:buNone/>
             </a:pPr>
-            <a:r>
-              <a:t/>
-            </a:r>
             <a:endParaRPr/>
           </a:p>
         </p:txBody>
@@ -559,11 +685,11 @@
 </file>
 
 <file path=ppt/notesSlides/notesSlide3.xml><?xml version="1.0" encoding="utf-8"?>
-<p:notes xmlns:a="http://schemas.openxmlformats.org/drawingml/2006/main" xmlns:r="http://schemas.openxmlformats.org/officeDocument/2006/relationships" xmlns:mc="http://schemas.openxmlformats.org/markup-compatibility/2006" xmlns:mv="urn:schemas-microsoft-com:mac:vml" xmlns:p="http://schemas.openxmlformats.org/presentationml/2006/main" xmlns:c="http://schemas.openxmlformats.org/drawingml/2006/chart" xmlns:dgm="http://schemas.openxmlformats.org/drawingml/2006/diagram" xmlns:o="urn:schemas-microsoft-com:office:office" xmlns:v="urn:schemas-microsoft-com:vml" xmlns:pvml="urn:schemas-microsoft-com:office:powerpoint" xmlns:com="http://schemas.openxmlformats.org/drawingml/2006/compatibility" xmlns:p14="http://schemas.microsoft.com/office/powerpoint/2010/main" showMasterPhAnim="0" showMasterSp="0">
+<p:notes xmlns:a="http://schemas.openxmlformats.org/drawingml/2006/main" xmlns:r="http://schemas.openxmlformats.org/officeDocument/2006/relationships" xmlns:p="http://schemas.openxmlformats.org/presentationml/2006/main" showMasterSp="0" showMasterPhAnim="0">
   <p:cSld>
     <p:spTree>
       <p:nvGrpSpPr>
-        <p:cNvPr id="66" name="Shape 66"/>
+        <p:cNvPr id="1" name="Shape 66"/>
         <p:cNvGrpSpPr/>
         <p:nvPr/>
       </p:nvGrpSpPr>
@@ -578,19 +704,26 @@
       <p:sp>
         <p:nvSpPr>
           <p:cNvPr id="67" name="Shape 67"/>
-          <p:cNvSpPr/>
+          <p:cNvSpPr>
+            <a:spLocks noGrp="1" noRot="1" noChangeAspect="1"/>
+          </p:cNvSpPr>
           <p:nvPr>
-            <p:ph idx="2" type="sldImg"/>
+            <p:ph type="sldImg" idx="2"/>
           </p:nvPr>
         </p:nvSpPr>
         <p:spPr>
           <a:xfrm>
-            <a:off x="381300" y="685800"/>
+            <a:off x="381000" y="685800"/>
             <a:ext cx="6096000" cy="3429000"/>
           </a:xfrm>
           <a:custGeom>
+            <a:avLst/>
+            <a:gdLst/>
+            <a:ahLst/>
+            <a:cxnLst/>
+            <a:rect l="0" t="0" r="0" b="0"/>
             <a:pathLst>
-              <a:path extrusionOk="0" h="120000" w="120000">
+              <a:path w="120000" h="120000" extrusionOk="0">
                 <a:moveTo>
                   <a:pt x="0" y="0"/>
                 </a:moveTo>
@@ -612,9 +745,11 @@
       <p:sp>
         <p:nvSpPr>
           <p:cNvPr id="68" name="Shape 68"/>
-          <p:cNvSpPr txBox="1"/>
+          <p:cNvSpPr txBox="1">
+            <a:spLocks noGrp="1"/>
+          </p:cNvSpPr>
           <p:nvPr>
-            <p:ph idx="1" type="body"/>
+            <p:ph type="body" idx="1"/>
           </p:nvPr>
         </p:nvSpPr>
         <p:spPr>
@@ -627,7 +762,7 @@
           </a:prstGeom>
         </p:spPr>
         <p:txBody>
-          <a:bodyPr anchorCtr="0" anchor="t" bIns="91425" lIns="91425" rIns="91425" tIns="91425">
+          <a:bodyPr lIns="91425" tIns="91425" rIns="91425" bIns="91425" anchor="t" anchorCtr="0">
             <a:noAutofit/>
           </a:bodyPr>
           <a:lstStyle/>
@@ -638,9 +773,6 @@
               </a:spcBef>
               <a:buNone/>
             </a:pPr>
-            <a:r>
-              <a:t/>
-            </a:r>
             <a:endParaRPr/>
           </a:p>
         </p:txBody>
@@ -654,11 +786,11 @@
 </file>
 
 <file path=ppt/slideLayouts/slideLayout1.xml><?xml version="1.0" encoding="utf-8"?>
-<p:sldLayout xmlns:a="http://schemas.openxmlformats.org/drawingml/2006/main" xmlns:r="http://schemas.openxmlformats.org/officeDocument/2006/relationships" xmlns:mc="http://schemas.openxmlformats.org/markup-compatibility/2006" xmlns:mv="urn:schemas-microsoft-com:mac:vml" xmlns:p="http://schemas.openxmlformats.org/presentationml/2006/main" xmlns:c="http://schemas.openxmlformats.org/drawingml/2006/chart" xmlns:dgm="http://schemas.openxmlformats.org/drawingml/2006/diagram" xmlns:o="urn:schemas-microsoft-com:office:office" xmlns:v="urn:schemas-microsoft-com:vml" xmlns:pvml="urn:schemas-microsoft-com:office:powerpoint" xmlns:com="http://schemas.openxmlformats.org/drawingml/2006/compatibility" xmlns:p14="http://schemas.microsoft.com/office/powerpoint/2010/main" type="title">
+<p:sldLayout xmlns:a="http://schemas.openxmlformats.org/drawingml/2006/main" xmlns:r="http://schemas.openxmlformats.org/officeDocument/2006/relationships" xmlns:p="http://schemas.openxmlformats.org/presentationml/2006/main" type="title">
   <p:cSld name="Title slide">
     <p:spTree>
       <p:nvGrpSpPr>
-        <p:cNvPr id="9" name="Shape 9"/>
+        <p:cNvPr id="1" name="Shape 9"/>
         <p:cNvGrpSpPr/>
         <p:nvPr/>
       </p:nvGrpSpPr>
@@ -673,7 +805,9 @@
       <p:sp>
         <p:nvSpPr>
           <p:cNvPr id="10" name="Shape 10"/>
-          <p:cNvSpPr txBox="1"/>
+          <p:cNvSpPr txBox="1">
+            <a:spLocks noGrp="1"/>
+          </p:cNvSpPr>
           <p:nvPr>
             <p:ph type="ctrTitle"/>
           </p:nvPr>
@@ -688,7 +822,7 @@
           </a:prstGeom>
         </p:spPr>
         <p:txBody>
-          <a:bodyPr anchorCtr="0" anchor="b" bIns="91425" lIns="91425" rIns="91425" tIns="91425"/>
+          <a:bodyPr lIns="91425" tIns="91425" rIns="91425" bIns="91425" anchor="b" anchorCtr="0"/>
           <a:lstStyle>
             <a:lvl1pPr lvl="0" algn="ctr">
               <a:spcBef>
@@ -754,15 +888,19 @@
               <a:defRPr sz="5200"/>
             </a:lvl9pPr>
           </a:lstStyle>
-          <a:p/>
+          <a:p>
+            <a:endParaRPr/>
+          </a:p>
         </p:txBody>
       </p:sp>
       <p:sp>
         <p:nvSpPr>
           <p:cNvPr id="11" name="Shape 11"/>
-          <p:cNvSpPr txBox="1"/>
+          <p:cNvSpPr txBox="1">
+            <a:spLocks noGrp="1"/>
+          </p:cNvSpPr>
           <p:nvPr>
-            <p:ph idx="1" type="subTitle"/>
+            <p:ph type="subTitle" idx="1"/>
           </p:nvPr>
         </p:nvSpPr>
         <p:spPr>
@@ -775,7 +913,7 @@
           </a:prstGeom>
         </p:spPr>
         <p:txBody>
-          <a:bodyPr anchorCtr="0" anchor="t" bIns="91425" lIns="91425" rIns="91425" tIns="91425"/>
+          <a:bodyPr lIns="91425" tIns="91425" rIns="91425" bIns="91425" anchor="t" anchorCtr="0"/>
           <a:lstStyle>
             <a:lvl1pPr lvl="0" algn="ctr">
               <a:lnSpc>
@@ -904,15 +1042,19 @@
               <a:defRPr sz="2800"/>
             </a:lvl9pPr>
           </a:lstStyle>
-          <a:p/>
+          <a:p>
+            <a:endParaRPr/>
+          </a:p>
         </p:txBody>
       </p:sp>
       <p:sp>
         <p:nvSpPr>
           <p:cNvPr id="12" name="Shape 12"/>
-          <p:cNvSpPr txBox="1"/>
+          <p:cNvSpPr txBox="1">
+            <a:spLocks noGrp="1"/>
+          </p:cNvSpPr>
           <p:nvPr>
-            <p:ph idx="12" type="sldNum"/>
+            <p:ph type="sldNum" idx="12"/>
           </p:nvPr>
         </p:nvSpPr>
         <p:spPr>
@@ -925,7 +1067,7 @@
           </a:prstGeom>
         </p:spPr>
         <p:txBody>
-          <a:bodyPr anchorCtr="0" anchor="ctr" bIns="91425" lIns="91425" rIns="91425" tIns="91425">
+          <a:bodyPr lIns="91425" tIns="91425" rIns="91425" bIns="91425" anchor="ctr" anchorCtr="0">
             <a:noAutofit/>
           </a:bodyPr>
           <a:lstStyle/>
@@ -938,8 +1080,9 @@
             </a:pPr>
             <a:fld id="{00000000-1234-1234-1234-123412341234}" type="slidenum">
               <a:rPr lang="fr"/>
-              <a:t>‹#›</a:t>
+              <a:t>‹N°›</a:t>
             </a:fld>
+            <a:endParaRPr lang="fr"/>
           </a:p>
         </p:txBody>
       </p:sp>
@@ -952,11 +1095,11 @@
 </file>
 
 <file path=ppt/slideLayouts/slideLayout10.xml><?xml version="1.0" encoding="utf-8"?>
-<p:sldLayout xmlns:a="http://schemas.openxmlformats.org/drawingml/2006/main" xmlns:r="http://schemas.openxmlformats.org/officeDocument/2006/relationships" xmlns:mc="http://schemas.openxmlformats.org/markup-compatibility/2006" xmlns:mv="urn:schemas-microsoft-com:mac:vml" xmlns:p="http://schemas.openxmlformats.org/presentationml/2006/main" xmlns:c="http://schemas.openxmlformats.org/drawingml/2006/chart" xmlns:dgm="http://schemas.openxmlformats.org/drawingml/2006/diagram" xmlns:o="urn:schemas-microsoft-com:office:office" xmlns:v="urn:schemas-microsoft-com:vml" xmlns:pvml="urn:schemas-microsoft-com:office:powerpoint" xmlns:com="http://schemas.openxmlformats.org/drawingml/2006/compatibility" xmlns:p14="http://schemas.microsoft.com/office/powerpoint/2010/main">
+<p:sldLayout xmlns:a="http://schemas.openxmlformats.org/drawingml/2006/main" xmlns:r="http://schemas.openxmlformats.org/officeDocument/2006/relationships" xmlns:p="http://schemas.openxmlformats.org/presentationml/2006/main">
   <p:cSld name="Big number">
     <p:spTree>
       <p:nvGrpSpPr>
-        <p:cNvPr id="44" name="Shape 44"/>
+        <p:cNvPr id="1" name="Shape 44"/>
         <p:cNvGrpSpPr/>
         <p:nvPr/>
       </p:nvGrpSpPr>
@@ -971,7 +1114,9 @@
       <p:sp>
         <p:nvSpPr>
           <p:cNvPr id="45" name="Shape 45"/>
-          <p:cNvSpPr txBox="1"/>
+          <p:cNvSpPr txBox="1">
+            <a:spLocks noGrp="1"/>
+          </p:cNvSpPr>
           <p:nvPr>
             <p:ph type="title"/>
           </p:nvPr>
@@ -986,7 +1131,7 @@
           </a:prstGeom>
         </p:spPr>
         <p:txBody>
-          <a:bodyPr anchorCtr="0" anchor="b" bIns="91425" lIns="91425" rIns="91425" tIns="91425"/>
+          <a:bodyPr lIns="91425" tIns="91425" rIns="91425" bIns="91425" anchor="b" anchorCtr="0"/>
           <a:lstStyle>
             <a:lvl1pPr lvl="0" algn="ctr">
               <a:spcBef>
@@ -1052,15 +1197,19 @@
               <a:defRPr sz="12000"/>
             </a:lvl9pPr>
           </a:lstStyle>
-          <a:p/>
+          <a:p>
+            <a:endParaRPr/>
+          </a:p>
         </p:txBody>
       </p:sp>
       <p:sp>
         <p:nvSpPr>
           <p:cNvPr id="46" name="Shape 46"/>
-          <p:cNvSpPr txBox="1"/>
+          <p:cNvSpPr txBox="1">
+            <a:spLocks noGrp="1"/>
+          </p:cNvSpPr>
           <p:nvPr>
-            <p:ph idx="1" type="body"/>
+            <p:ph type="body" idx="1"/>
           </p:nvPr>
         </p:nvSpPr>
         <p:spPr>
@@ -1073,7 +1222,7 @@
           </a:prstGeom>
         </p:spPr>
         <p:txBody>
-          <a:bodyPr anchorCtr="0" anchor="t" bIns="91425" lIns="91425" rIns="91425" tIns="91425"/>
+          <a:bodyPr lIns="91425" tIns="91425" rIns="91425" bIns="91425" anchor="t" anchorCtr="0"/>
           <a:lstStyle>
             <a:lvl1pPr lvl="0" algn="ctr">
               <a:spcBef>
@@ -1130,15 +1279,19 @@
               <a:defRPr/>
             </a:lvl9pPr>
           </a:lstStyle>
-          <a:p/>
+          <a:p>
+            <a:endParaRPr/>
+          </a:p>
         </p:txBody>
       </p:sp>
       <p:sp>
         <p:nvSpPr>
           <p:cNvPr id="47" name="Shape 47"/>
-          <p:cNvSpPr txBox="1"/>
+          <p:cNvSpPr txBox="1">
+            <a:spLocks noGrp="1"/>
+          </p:cNvSpPr>
           <p:nvPr>
-            <p:ph idx="12" type="sldNum"/>
+            <p:ph type="sldNum" idx="12"/>
           </p:nvPr>
         </p:nvSpPr>
         <p:spPr>
@@ -1151,7 +1304,7 @@
           </a:prstGeom>
         </p:spPr>
         <p:txBody>
-          <a:bodyPr anchorCtr="0" anchor="ctr" bIns="91425" lIns="91425" rIns="91425" tIns="91425">
+          <a:bodyPr lIns="91425" tIns="91425" rIns="91425" bIns="91425" anchor="ctr" anchorCtr="0">
             <a:noAutofit/>
           </a:bodyPr>
           <a:lstStyle/>
@@ -1164,8 +1317,9 @@
             </a:pPr>
             <a:fld id="{00000000-1234-1234-1234-123412341234}" type="slidenum">
               <a:rPr lang="fr"/>
-              <a:t>‹#›</a:t>
+              <a:t>‹N°›</a:t>
             </a:fld>
+            <a:endParaRPr lang="fr"/>
           </a:p>
         </p:txBody>
       </p:sp>
@@ -1178,11 +1332,11 @@
 </file>
 
 <file path=ppt/slideLayouts/slideLayout11.xml><?xml version="1.0" encoding="utf-8"?>
-<p:sldLayout xmlns:a="http://schemas.openxmlformats.org/drawingml/2006/main" xmlns:r="http://schemas.openxmlformats.org/officeDocument/2006/relationships" xmlns:mc="http://schemas.openxmlformats.org/markup-compatibility/2006" xmlns:mv="urn:schemas-microsoft-com:mac:vml" xmlns:p="http://schemas.openxmlformats.org/presentationml/2006/main" xmlns:c="http://schemas.openxmlformats.org/drawingml/2006/chart" xmlns:dgm="http://schemas.openxmlformats.org/drawingml/2006/diagram" xmlns:o="urn:schemas-microsoft-com:office:office" xmlns:v="urn:schemas-microsoft-com:vml" xmlns:pvml="urn:schemas-microsoft-com:office:powerpoint" xmlns:com="http://schemas.openxmlformats.org/drawingml/2006/compatibility" xmlns:p14="http://schemas.microsoft.com/office/powerpoint/2010/main" type="blank">
+<p:sldLayout xmlns:a="http://schemas.openxmlformats.org/drawingml/2006/main" xmlns:r="http://schemas.openxmlformats.org/officeDocument/2006/relationships" xmlns:p="http://schemas.openxmlformats.org/presentationml/2006/main" type="blank">
   <p:cSld name="Blank">
     <p:spTree>
       <p:nvGrpSpPr>
-        <p:cNvPr id="48" name="Shape 48"/>
+        <p:cNvPr id="1" name="Shape 48"/>
         <p:cNvGrpSpPr/>
         <p:nvPr/>
       </p:nvGrpSpPr>
@@ -1197,9 +1351,11 @@
       <p:sp>
         <p:nvSpPr>
           <p:cNvPr id="49" name="Shape 49"/>
-          <p:cNvSpPr txBox="1"/>
+          <p:cNvSpPr txBox="1">
+            <a:spLocks noGrp="1"/>
+          </p:cNvSpPr>
           <p:nvPr>
-            <p:ph idx="12" type="sldNum"/>
+            <p:ph type="sldNum" idx="12"/>
           </p:nvPr>
         </p:nvSpPr>
         <p:spPr>
@@ -1212,7 +1368,7 @@
           </a:prstGeom>
         </p:spPr>
         <p:txBody>
-          <a:bodyPr anchorCtr="0" anchor="ctr" bIns="91425" lIns="91425" rIns="91425" tIns="91425">
+          <a:bodyPr lIns="91425" tIns="91425" rIns="91425" bIns="91425" anchor="ctr" anchorCtr="0">
             <a:noAutofit/>
           </a:bodyPr>
           <a:lstStyle/>
@@ -1225,8 +1381,9 @@
             </a:pPr>
             <a:fld id="{00000000-1234-1234-1234-123412341234}" type="slidenum">
               <a:rPr lang="fr"/>
-              <a:t>‹#›</a:t>
+              <a:t>‹N°›</a:t>
             </a:fld>
+            <a:endParaRPr lang="fr"/>
           </a:p>
         </p:txBody>
       </p:sp>
@@ -1239,11 +1396,11 @@
 </file>
 
 <file path=ppt/slideLayouts/slideLayout2.xml><?xml version="1.0" encoding="utf-8"?>
-<p:sldLayout xmlns:a="http://schemas.openxmlformats.org/drawingml/2006/main" xmlns:r="http://schemas.openxmlformats.org/officeDocument/2006/relationships" xmlns:mc="http://schemas.openxmlformats.org/markup-compatibility/2006" xmlns:mv="urn:schemas-microsoft-com:mac:vml" xmlns:p="http://schemas.openxmlformats.org/presentationml/2006/main" xmlns:c="http://schemas.openxmlformats.org/drawingml/2006/chart" xmlns:dgm="http://schemas.openxmlformats.org/drawingml/2006/diagram" xmlns:o="urn:schemas-microsoft-com:office:office" xmlns:v="urn:schemas-microsoft-com:vml" xmlns:pvml="urn:schemas-microsoft-com:office:powerpoint" xmlns:com="http://schemas.openxmlformats.org/drawingml/2006/compatibility" xmlns:p14="http://schemas.microsoft.com/office/powerpoint/2010/main" type="secHead">
+<p:sldLayout xmlns:a="http://schemas.openxmlformats.org/drawingml/2006/main" xmlns:r="http://schemas.openxmlformats.org/officeDocument/2006/relationships" xmlns:p="http://schemas.openxmlformats.org/presentationml/2006/main" type="secHead">
   <p:cSld name="Section header">
     <p:spTree>
       <p:nvGrpSpPr>
-        <p:cNvPr id="13" name="Shape 13"/>
+        <p:cNvPr id="1" name="Shape 13"/>
         <p:cNvGrpSpPr/>
         <p:nvPr/>
       </p:nvGrpSpPr>
@@ -1258,7 +1415,9 @@
       <p:sp>
         <p:nvSpPr>
           <p:cNvPr id="14" name="Shape 14"/>
-          <p:cNvSpPr txBox="1"/>
+          <p:cNvSpPr txBox="1">
+            <a:spLocks noGrp="1"/>
+          </p:cNvSpPr>
           <p:nvPr>
             <p:ph type="title"/>
           </p:nvPr>
@@ -1273,7 +1432,7 @@
           </a:prstGeom>
         </p:spPr>
         <p:txBody>
-          <a:bodyPr anchorCtr="0" anchor="ctr" bIns="91425" lIns="91425" rIns="91425" tIns="91425"/>
+          <a:bodyPr lIns="91425" tIns="91425" rIns="91425" bIns="91425" anchor="ctr" anchorCtr="0"/>
           <a:lstStyle>
             <a:lvl1pPr lvl="0" algn="ctr">
               <a:spcBef>
@@ -1339,15 +1498,19 @@
               <a:defRPr sz="3600"/>
             </a:lvl9pPr>
           </a:lstStyle>
-          <a:p/>
+          <a:p>
+            <a:endParaRPr/>
+          </a:p>
         </p:txBody>
       </p:sp>
       <p:sp>
         <p:nvSpPr>
           <p:cNvPr id="15" name="Shape 15"/>
-          <p:cNvSpPr txBox="1"/>
+          <p:cNvSpPr txBox="1">
+            <a:spLocks noGrp="1"/>
+          </p:cNvSpPr>
           <p:nvPr>
-            <p:ph idx="12" type="sldNum"/>
+            <p:ph type="sldNum" idx="12"/>
           </p:nvPr>
         </p:nvSpPr>
         <p:spPr>
@@ -1360,7 +1523,7 @@
           </a:prstGeom>
         </p:spPr>
         <p:txBody>
-          <a:bodyPr anchorCtr="0" anchor="ctr" bIns="91425" lIns="91425" rIns="91425" tIns="91425">
+          <a:bodyPr lIns="91425" tIns="91425" rIns="91425" bIns="91425" anchor="ctr" anchorCtr="0">
             <a:noAutofit/>
           </a:bodyPr>
           <a:lstStyle/>
@@ -1373,8 +1536,9 @@
             </a:pPr>
             <a:fld id="{00000000-1234-1234-1234-123412341234}" type="slidenum">
               <a:rPr lang="fr"/>
-              <a:t>‹#›</a:t>
+              <a:t>‹N°›</a:t>
             </a:fld>
+            <a:endParaRPr lang="fr"/>
           </a:p>
         </p:txBody>
       </p:sp>
@@ -1387,11 +1551,11 @@
 </file>
 
 <file path=ppt/slideLayouts/slideLayout3.xml><?xml version="1.0" encoding="utf-8"?>
-<p:sldLayout xmlns:a="http://schemas.openxmlformats.org/drawingml/2006/main" xmlns:r="http://schemas.openxmlformats.org/officeDocument/2006/relationships" xmlns:mc="http://schemas.openxmlformats.org/markup-compatibility/2006" xmlns:mv="urn:schemas-microsoft-com:mac:vml" xmlns:p="http://schemas.openxmlformats.org/presentationml/2006/main" xmlns:c="http://schemas.openxmlformats.org/drawingml/2006/chart" xmlns:dgm="http://schemas.openxmlformats.org/drawingml/2006/diagram" xmlns:o="urn:schemas-microsoft-com:office:office" xmlns:v="urn:schemas-microsoft-com:vml" xmlns:pvml="urn:schemas-microsoft-com:office:powerpoint" xmlns:com="http://schemas.openxmlformats.org/drawingml/2006/compatibility" xmlns:p14="http://schemas.microsoft.com/office/powerpoint/2010/main" type="tx">
+<p:sldLayout xmlns:a="http://schemas.openxmlformats.org/drawingml/2006/main" xmlns:r="http://schemas.openxmlformats.org/officeDocument/2006/relationships" xmlns:p="http://schemas.openxmlformats.org/presentationml/2006/main" type="tx">
   <p:cSld name="Title and body">
     <p:spTree>
       <p:nvGrpSpPr>
-        <p:cNvPr id="16" name="Shape 16"/>
+        <p:cNvPr id="1" name="Shape 16"/>
         <p:cNvGrpSpPr/>
         <p:nvPr/>
       </p:nvGrpSpPr>
@@ -1406,7 +1570,9 @@
       <p:sp>
         <p:nvSpPr>
           <p:cNvPr id="17" name="Shape 17"/>
-          <p:cNvSpPr txBox="1"/>
+          <p:cNvSpPr txBox="1">
+            <a:spLocks noGrp="1"/>
+          </p:cNvSpPr>
           <p:nvPr>
             <p:ph type="title"/>
           </p:nvPr>
@@ -1421,7 +1587,7 @@
           </a:prstGeom>
         </p:spPr>
         <p:txBody>
-          <a:bodyPr anchorCtr="0" anchor="t" bIns="91425" lIns="91425" rIns="91425" tIns="91425"/>
+          <a:bodyPr lIns="91425" tIns="91425" rIns="91425" bIns="91425" anchor="t" anchorCtr="0"/>
           <a:lstStyle>
             <a:lvl1pPr lvl="0">
               <a:spcBef>
@@ -1478,15 +1644,19 @@
               <a:defRPr/>
             </a:lvl9pPr>
           </a:lstStyle>
-          <a:p/>
+          <a:p>
+            <a:endParaRPr/>
+          </a:p>
         </p:txBody>
       </p:sp>
       <p:sp>
         <p:nvSpPr>
           <p:cNvPr id="18" name="Shape 18"/>
-          <p:cNvSpPr txBox="1"/>
+          <p:cNvSpPr txBox="1">
+            <a:spLocks noGrp="1"/>
+          </p:cNvSpPr>
           <p:nvPr>
-            <p:ph idx="1" type="body"/>
+            <p:ph type="body" idx="1"/>
           </p:nvPr>
         </p:nvSpPr>
         <p:spPr>
@@ -1499,7 +1669,7 @@
           </a:prstGeom>
         </p:spPr>
         <p:txBody>
-          <a:bodyPr anchorCtr="0" anchor="t" bIns="91425" lIns="91425" rIns="91425" tIns="91425"/>
+          <a:bodyPr lIns="91425" tIns="91425" rIns="91425" bIns="91425" anchor="t" anchorCtr="0"/>
           <a:lstStyle>
             <a:lvl1pPr lvl="0">
               <a:spcBef>
@@ -1556,15 +1726,19 @@
               <a:defRPr/>
             </a:lvl9pPr>
           </a:lstStyle>
-          <a:p/>
+          <a:p>
+            <a:endParaRPr/>
+          </a:p>
         </p:txBody>
       </p:sp>
       <p:sp>
         <p:nvSpPr>
           <p:cNvPr id="19" name="Shape 19"/>
-          <p:cNvSpPr txBox="1"/>
+          <p:cNvSpPr txBox="1">
+            <a:spLocks noGrp="1"/>
+          </p:cNvSpPr>
           <p:nvPr>
-            <p:ph idx="12" type="sldNum"/>
+            <p:ph type="sldNum" idx="12"/>
           </p:nvPr>
         </p:nvSpPr>
         <p:spPr>
@@ -1577,7 +1751,7 @@
           </a:prstGeom>
         </p:spPr>
         <p:txBody>
-          <a:bodyPr anchorCtr="0" anchor="ctr" bIns="91425" lIns="91425" rIns="91425" tIns="91425">
+          <a:bodyPr lIns="91425" tIns="91425" rIns="91425" bIns="91425" anchor="ctr" anchorCtr="0">
             <a:noAutofit/>
           </a:bodyPr>
           <a:lstStyle/>
@@ -1590,8 +1764,9 @@
             </a:pPr>
             <a:fld id="{00000000-1234-1234-1234-123412341234}" type="slidenum">
               <a:rPr lang="fr"/>
-              <a:t>‹#›</a:t>
+              <a:t>‹N°›</a:t>
             </a:fld>
+            <a:endParaRPr lang="fr"/>
           </a:p>
         </p:txBody>
       </p:sp>
@@ -1604,11 +1779,11 @@
 </file>
 
 <file path=ppt/slideLayouts/slideLayout4.xml><?xml version="1.0" encoding="utf-8"?>
-<p:sldLayout xmlns:a="http://schemas.openxmlformats.org/drawingml/2006/main" xmlns:r="http://schemas.openxmlformats.org/officeDocument/2006/relationships" xmlns:mc="http://schemas.openxmlformats.org/markup-compatibility/2006" xmlns:mv="urn:schemas-microsoft-com:mac:vml" xmlns:p="http://schemas.openxmlformats.org/presentationml/2006/main" xmlns:c="http://schemas.openxmlformats.org/drawingml/2006/chart" xmlns:dgm="http://schemas.openxmlformats.org/drawingml/2006/diagram" xmlns:o="urn:schemas-microsoft-com:office:office" xmlns:v="urn:schemas-microsoft-com:vml" xmlns:pvml="urn:schemas-microsoft-com:office:powerpoint" xmlns:com="http://schemas.openxmlformats.org/drawingml/2006/compatibility" xmlns:p14="http://schemas.microsoft.com/office/powerpoint/2010/main" type="twoColTx">
+<p:sldLayout xmlns:a="http://schemas.openxmlformats.org/drawingml/2006/main" xmlns:r="http://schemas.openxmlformats.org/officeDocument/2006/relationships" xmlns:p="http://schemas.openxmlformats.org/presentationml/2006/main" type="twoColTx">
   <p:cSld name="Title and two columns">
     <p:spTree>
       <p:nvGrpSpPr>
-        <p:cNvPr id="20" name="Shape 20"/>
+        <p:cNvPr id="1" name="Shape 20"/>
         <p:cNvGrpSpPr/>
         <p:nvPr/>
       </p:nvGrpSpPr>
@@ -1623,7 +1798,9 @@
       <p:sp>
         <p:nvSpPr>
           <p:cNvPr id="21" name="Shape 21"/>
-          <p:cNvSpPr txBox="1"/>
+          <p:cNvSpPr txBox="1">
+            <a:spLocks noGrp="1"/>
+          </p:cNvSpPr>
           <p:nvPr>
             <p:ph type="title"/>
           </p:nvPr>
@@ -1638,7 +1815,7 @@
           </a:prstGeom>
         </p:spPr>
         <p:txBody>
-          <a:bodyPr anchorCtr="0" anchor="t" bIns="91425" lIns="91425" rIns="91425" tIns="91425"/>
+          <a:bodyPr lIns="91425" tIns="91425" rIns="91425" bIns="91425" anchor="t" anchorCtr="0"/>
           <a:lstStyle>
             <a:lvl1pPr lvl="0">
               <a:spcBef>
@@ -1695,15 +1872,19 @@
               <a:defRPr/>
             </a:lvl9pPr>
           </a:lstStyle>
-          <a:p/>
+          <a:p>
+            <a:endParaRPr/>
+          </a:p>
         </p:txBody>
       </p:sp>
       <p:sp>
         <p:nvSpPr>
           <p:cNvPr id="22" name="Shape 22"/>
-          <p:cNvSpPr txBox="1"/>
+          <p:cNvSpPr txBox="1">
+            <a:spLocks noGrp="1"/>
+          </p:cNvSpPr>
           <p:nvPr>
-            <p:ph idx="1" type="body"/>
+            <p:ph type="body" idx="1"/>
           </p:nvPr>
         </p:nvSpPr>
         <p:spPr>
@@ -1716,7 +1897,7 @@
           </a:prstGeom>
         </p:spPr>
         <p:txBody>
-          <a:bodyPr anchorCtr="0" anchor="t" bIns="91425" lIns="91425" rIns="91425" tIns="91425"/>
+          <a:bodyPr lIns="91425" tIns="91425" rIns="91425" bIns="91425" anchor="t" anchorCtr="0"/>
           <a:lstStyle>
             <a:lvl1pPr lvl="0">
               <a:spcBef>
@@ -1782,15 +1963,19 @@
               <a:defRPr sz="1200"/>
             </a:lvl9pPr>
           </a:lstStyle>
-          <a:p/>
+          <a:p>
+            <a:endParaRPr/>
+          </a:p>
         </p:txBody>
       </p:sp>
       <p:sp>
         <p:nvSpPr>
           <p:cNvPr id="23" name="Shape 23"/>
-          <p:cNvSpPr txBox="1"/>
+          <p:cNvSpPr txBox="1">
+            <a:spLocks noGrp="1"/>
+          </p:cNvSpPr>
           <p:nvPr>
-            <p:ph idx="2" type="body"/>
+            <p:ph type="body" idx="2"/>
           </p:nvPr>
         </p:nvSpPr>
         <p:spPr>
@@ -1803,7 +1988,7 @@
           </a:prstGeom>
         </p:spPr>
         <p:txBody>
-          <a:bodyPr anchorCtr="0" anchor="t" bIns="91425" lIns="91425" rIns="91425" tIns="91425"/>
+          <a:bodyPr lIns="91425" tIns="91425" rIns="91425" bIns="91425" anchor="t" anchorCtr="0"/>
           <a:lstStyle>
             <a:lvl1pPr lvl="0">
               <a:spcBef>
@@ -1869,15 +2054,19 @@
               <a:defRPr sz="1200"/>
             </a:lvl9pPr>
           </a:lstStyle>
-          <a:p/>
+          <a:p>
+            <a:endParaRPr/>
+          </a:p>
         </p:txBody>
       </p:sp>
       <p:sp>
         <p:nvSpPr>
           <p:cNvPr id="24" name="Shape 24"/>
-          <p:cNvSpPr txBox="1"/>
+          <p:cNvSpPr txBox="1">
+            <a:spLocks noGrp="1"/>
+          </p:cNvSpPr>
           <p:nvPr>
-            <p:ph idx="12" type="sldNum"/>
+            <p:ph type="sldNum" idx="12"/>
           </p:nvPr>
         </p:nvSpPr>
         <p:spPr>
@@ -1890,7 +2079,7 @@
           </a:prstGeom>
         </p:spPr>
         <p:txBody>
-          <a:bodyPr anchorCtr="0" anchor="ctr" bIns="91425" lIns="91425" rIns="91425" tIns="91425">
+          <a:bodyPr lIns="91425" tIns="91425" rIns="91425" bIns="91425" anchor="ctr" anchorCtr="0">
             <a:noAutofit/>
           </a:bodyPr>
           <a:lstStyle/>
@@ -1903,8 +2092,9 @@
             </a:pPr>
             <a:fld id="{00000000-1234-1234-1234-123412341234}" type="slidenum">
               <a:rPr lang="fr"/>
-              <a:t>‹#›</a:t>
+              <a:t>‹N°›</a:t>
             </a:fld>
+            <a:endParaRPr lang="fr"/>
           </a:p>
         </p:txBody>
       </p:sp>
@@ -1917,11 +2107,11 @@
 </file>
 
 <file path=ppt/slideLayouts/slideLayout5.xml><?xml version="1.0" encoding="utf-8"?>
-<p:sldLayout xmlns:a="http://schemas.openxmlformats.org/drawingml/2006/main" xmlns:r="http://schemas.openxmlformats.org/officeDocument/2006/relationships" xmlns:mc="http://schemas.openxmlformats.org/markup-compatibility/2006" xmlns:mv="urn:schemas-microsoft-com:mac:vml" xmlns:p="http://schemas.openxmlformats.org/presentationml/2006/main" xmlns:c="http://schemas.openxmlformats.org/drawingml/2006/chart" xmlns:dgm="http://schemas.openxmlformats.org/drawingml/2006/diagram" xmlns:o="urn:schemas-microsoft-com:office:office" xmlns:v="urn:schemas-microsoft-com:vml" xmlns:pvml="urn:schemas-microsoft-com:office:powerpoint" xmlns:com="http://schemas.openxmlformats.org/drawingml/2006/compatibility" xmlns:p14="http://schemas.microsoft.com/office/powerpoint/2010/main" type="titleOnly">
+<p:sldLayout xmlns:a="http://schemas.openxmlformats.org/drawingml/2006/main" xmlns:r="http://schemas.openxmlformats.org/officeDocument/2006/relationships" xmlns:p="http://schemas.openxmlformats.org/presentationml/2006/main" type="titleOnly">
   <p:cSld name="Title only">
     <p:spTree>
       <p:nvGrpSpPr>
-        <p:cNvPr id="25" name="Shape 25"/>
+        <p:cNvPr id="1" name="Shape 25"/>
         <p:cNvGrpSpPr/>
         <p:nvPr/>
       </p:nvGrpSpPr>
@@ -1936,7 +2126,9 @@
       <p:sp>
         <p:nvSpPr>
           <p:cNvPr id="26" name="Shape 26"/>
-          <p:cNvSpPr txBox="1"/>
+          <p:cNvSpPr txBox="1">
+            <a:spLocks noGrp="1"/>
+          </p:cNvSpPr>
           <p:nvPr>
             <p:ph type="title"/>
           </p:nvPr>
@@ -1951,7 +2143,7 @@
           </a:prstGeom>
         </p:spPr>
         <p:txBody>
-          <a:bodyPr anchorCtr="0" anchor="t" bIns="91425" lIns="91425" rIns="91425" tIns="91425"/>
+          <a:bodyPr lIns="91425" tIns="91425" rIns="91425" bIns="91425" anchor="t" anchorCtr="0"/>
           <a:lstStyle>
             <a:lvl1pPr lvl="0">
               <a:spcBef>
@@ -2008,15 +2200,19 @@
               <a:defRPr/>
             </a:lvl9pPr>
           </a:lstStyle>
-          <a:p/>
+          <a:p>
+            <a:endParaRPr/>
+          </a:p>
         </p:txBody>
       </p:sp>
       <p:sp>
         <p:nvSpPr>
           <p:cNvPr id="27" name="Shape 27"/>
-          <p:cNvSpPr txBox="1"/>
+          <p:cNvSpPr txBox="1">
+            <a:spLocks noGrp="1"/>
+          </p:cNvSpPr>
           <p:nvPr>
-            <p:ph idx="12" type="sldNum"/>
+            <p:ph type="sldNum" idx="12"/>
           </p:nvPr>
         </p:nvSpPr>
         <p:spPr>
@@ -2029,7 +2225,7 @@
           </a:prstGeom>
         </p:spPr>
         <p:txBody>
-          <a:bodyPr anchorCtr="0" anchor="ctr" bIns="91425" lIns="91425" rIns="91425" tIns="91425">
+          <a:bodyPr lIns="91425" tIns="91425" rIns="91425" bIns="91425" anchor="ctr" anchorCtr="0">
             <a:noAutofit/>
           </a:bodyPr>
           <a:lstStyle/>
@@ -2042,8 +2238,9 @@
             </a:pPr>
             <a:fld id="{00000000-1234-1234-1234-123412341234}" type="slidenum">
               <a:rPr lang="fr"/>
-              <a:t>‹#›</a:t>
+              <a:t>‹N°›</a:t>
             </a:fld>
+            <a:endParaRPr lang="fr"/>
           </a:p>
         </p:txBody>
       </p:sp>
@@ -2056,11 +2253,11 @@
 </file>
 
 <file path=ppt/slideLayouts/slideLayout6.xml><?xml version="1.0" encoding="utf-8"?>
-<p:sldLayout xmlns:a="http://schemas.openxmlformats.org/drawingml/2006/main" xmlns:r="http://schemas.openxmlformats.org/officeDocument/2006/relationships" xmlns:mc="http://schemas.openxmlformats.org/markup-compatibility/2006" xmlns:mv="urn:schemas-microsoft-com:mac:vml" xmlns:p="http://schemas.openxmlformats.org/presentationml/2006/main" xmlns:c="http://schemas.openxmlformats.org/drawingml/2006/chart" xmlns:dgm="http://schemas.openxmlformats.org/drawingml/2006/diagram" xmlns:o="urn:schemas-microsoft-com:office:office" xmlns:v="urn:schemas-microsoft-com:vml" xmlns:pvml="urn:schemas-microsoft-com:office:powerpoint" xmlns:com="http://schemas.openxmlformats.org/drawingml/2006/compatibility" xmlns:p14="http://schemas.microsoft.com/office/powerpoint/2010/main">
+<p:sldLayout xmlns:a="http://schemas.openxmlformats.org/drawingml/2006/main" xmlns:r="http://schemas.openxmlformats.org/officeDocument/2006/relationships" xmlns:p="http://schemas.openxmlformats.org/presentationml/2006/main">
   <p:cSld name="One column text">
     <p:spTree>
       <p:nvGrpSpPr>
-        <p:cNvPr id="28" name="Shape 28"/>
+        <p:cNvPr id="1" name="Shape 28"/>
         <p:cNvGrpSpPr/>
         <p:nvPr/>
       </p:nvGrpSpPr>
@@ -2075,7 +2272,9 @@
       <p:sp>
         <p:nvSpPr>
           <p:cNvPr id="29" name="Shape 29"/>
-          <p:cNvSpPr txBox="1"/>
+          <p:cNvSpPr txBox="1">
+            <a:spLocks noGrp="1"/>
+          </p:cNvSpPr>
           <p:nvPr>
             <p:ph type="title"/>
           </p:nvPr>
@@ -2090,7 +2289,7 @@
           </a:prstGeom>
         </p:spPr>
         <p:txBody>
-          <a:bodyPr anchorCtr="0" anchor="b" bIns="91425" lIns="91425" rIns="91425" tIns="91425"/>
+          <a:bodyPr lIns="91425" tIns="91425" rIns="91425" bIns="91425" anchor="b" anchorCtr="0"/>
           <a:lstStyle>
             <a:lvl1pPr lvl="0">
               <a:spcBef>
@@ -2156,15 +2355,19 @@
               <a:defRPr sz="2400"/>
             </a:lvl9pPr>
           </a:lstStyle>
-          <a:p/>
+          <a:p>
+            <a:endParaRPr/>
+          </a:p>
         </p:txBody>
       </p:sp>
       <p:sp>
         <p:nvSpPr>
           <p:cNvPr id="30" name="Shape 30"/>
-          <p:cNvSpPr txBox="1"/>
+          <p:cNvSpPr txBox="1">
+            <a:spLocks noGrp="1"/>
+          </p:cNvSpPr>
           <p:nvPr>
-            <p:ph idx="1" type="body"/>
+            <p:ph type="body" idx="1"/>
           </p:nvPr>
         </p:nvSpPr>
         <p:spPr>
@@ -2177,7 +2380,7 @@
           </a:prstGeom>
         </p:spPr>
         <p:txBody>
-          <a:bodyPr anchorCtr="0" anchor="t" bIns="91425" lIns="91425" rIns="91425" tIns="91425"/>
+          <a:bodyPr lIns="91425" tIns="91425" rIns="91425" bIns="91425" anchor="t" anchorCtr="0"/>
           <a:lstStyle>
             <a:lvl1pPr lvl="0">
               <a:spcBef>
@@ -2243,15 +2446,19 @@
               <a:defRPr sz="1200"/>
             </a:lvl9pPr>
           </a:lstStyle>
-          <a:p/>
+          <a:p>
+            <a:endParaRPr/>
+          </a:p>
         </p:txBody>
       </p:sp>
       <p:sp>
         <p:nvSpPr>
           <p:cNvPr id="31" name="Shape 31"/>
-          <p:cNvSpPr txBox="1"/>
+          <p:cNvSpPr txBox="1">
+            <a:spLocks noGrp="1"/>
+          </p:cNvSpPr>
           <p:nvPr>
-            <p:ph idx="12" type="sldNum"/>
+            <p:ph type="sldNum" idx="12"/>
           </p:nvPr>
         </p:nvSpPr>
         <p:spPr>
@@ -2264,7 +2471,7 @@
           </a:prstGeom>
         </p:spPr>
         <p:txBody>
-          <a:bodyPr anchorCtr="0" anchor="ctr" bIns="91425" lIns="91425" rIns="91425" tIns="91425">
+          <a:bodyPr lIns="91425" tIns="91425" rIns="91425" bIns="91425" anchor="ctr" anchorCtr="0">
             <a:noAutofit/>
           </a:bodyPr>
           <a:lstStyle/>
@@ -2277,8 +2484,9 @@
             </a:pPr>
             <a:fld id="{00000000-1234-1234-1234-123412341234}" type="slidenum">
               <a:rPr lang="fr"/>
-              <a:t>‹#›</a:t>
+              <a:t>‹N°›</a:t>
             </a:fld>
+            <a:endParaRPr lang="fr"/>
           </a:p>
         </p:txBody>
       </p:sp>
@@ -2291,11 +2499,11 @@
 </file>
 
 <file path=ppt/slideLayouts/slideLayout7.xml><?xml version="1.0" encoding="utf-8"?>
-<p:sldLayout xmlns:a="http://schemas.openxmlformats.org/drawingml/2006/main" xmlns:r="http://schemas.openxmlformats.org/officeDocument/2006/relationships" xmlns:mc="http://schemas.openxmlformats.org/markup-compatibility/2006" xmlns:mv="urn:schemas-microsoft-com:mac:vml" xmlns:p="http://schemas.openxmlformats.org/presentationml/2006/main" xmlns:c="http://schemas.openxmlformats.org/drawingml/2006/chart" xmlns:dgm="http://schemas.openxmlformats.org/drawingml/2006/diagram" xmlns:o="urn:schemas-microsoft-com:office:office" xmlns:v="urn:schemas-microsoft-com:vml" xmlns:pvml="urn:schemas-microsoft-com:office:powerpoint" xmlns:com="http://schemas.openxmlformats.org/drawingml/2006/compatibility" xmlns:p14="http://schemas.microsoft.com/office/powerpoint/2010/main">
+<p:sldLayout xmlns:a="http://schemas.openxmlformats.org/drawingml/2006/main" xmlns:r="http://schemas.openxmlformats.org/officeDocument/2006/relationships" xmlns:p="http://schemas.openxmlformats.org/presentationml/2006/main">
   <p:cSld name="Main point">
     <p:spTree>
       <p:nvGrpSpPr>
-        <p:cNvPr id="32" name="Shape 32"/>
+        <p:cNvPr id="1" name="Shape 32"/>
         <p:cNvGrpSpPr/>
         <p:nvPr/>
       </p:nvGrpSpPr>
@@ -2310,7 +2518,9 @@
       <p:sp>
         <p:nvSpPr>
           <p:cNvPr id="33" name="Shape 33"/>
-          <p:cNvSpPr txBox="1"/>
+          <p:cNvSpPr txBox="1">
+            <a:spLocks noGrp="1"/>
+          </p:cNvSpPr>
           <p:nvPr>
             <p:ph type="title"/>
           </p:nvPr>
@@ -2325,7 +2535,7 @@
           </a:prstGeom>
         </p:spPr>
         <p:txBody>
-          <a:bodyPr anchorCtr="0" anchor="ctr" bIns="91425" lIns="91425" rIns="91425" tIns="91425"/>
+          <a:bodyPr lIns="91425" tIns="91425" rIns="91425" bIns="91425" anchor="ctr" anchorCtr="0"/>
           <a:lstStyle>
             <a:lvl1pPr lvl="0">
               <a:spcBef>
@@ -2391,15 +2601,19 @@
               <a:defRPr sz="4800"/>
             </a:lvl9pPr>
           </a:lstStyle>
-          <a:p/>
+          <a:p>
+            <a:endParaRPr/>
+          </a:p>
         </p:txBody>
       </p:sp>
       <p:sp>
         <p:nvSpPr>
           <p:cNvPr id="34" name="Shape 34"/>
-          <p:cNvSpPr txBox="1"/>
+          <p:cNvSpPr txBox="1">
+            <a:spLocks noGrp="1"/>
+          </p:cNvSpPr>
           <p:nvPr>
-            <p:ph idx="12" type="sldNum"/>
+            <p:ph type="sldNum" idx="12"/>
           </p:nvPr>
         </p:nvSpPr>
         <p:spPr>
@@ -2412,7 +2626,7 @@
           </a:prstGeom>
         </p:spPr>
         <p:txBody>
-          <a:bodyPr anchorCtr="0" anchor="ctr" bIns="91425" lIns="91425" rIns="91425" tIns="91425">
+          <a:bodyPr lIns="91425" tIns="91425" rIns="91425" bIns="91425" anchor="ctr" anchorCtr="0">
             <a:noAutofit/>
           </a:bodyPr>
           <a:lstStyle/>
@@ -2425,8 +2639,9 @@
             </a:pPr>
             <a:fld id="{00000000-1234-1234-1234-123412341234}" type="slidenum">
               <a:rPr lang="fr"/>
-              <a:t>‹#›</a:t>
+              <a:t>‹N°›</a:t>
             </a:fld>
+            <a:endParaRPr lang="fr"/>
           </a:p>
         </p:txBody>
       </p:sp>
@@ -2439,11 +2654,11 @@
 </file>
 
 <file path=ppt/slideLayouts/slideLayout8.xml><?xml version="1.0" encoding="utf-8"?>
-<p:sldLayout xmlns:a="http://schemas.openxmlformats.org/drawingml/2006/main" xmlns:r="http://schemas.openxmlformats.org/officeDocument/2006/relationships" xmlns:mc="http://schemas.openxmlformats.org/markup-compatibility/2006" xmlns:mv="urn:schemas-microsoft-com:mac:vml" xmlns:p="http://schemas.openxmlformats.org/presentationml/2006/main" xmlns:c="http://schemas.openxmlformats.org/drawingml/2006/chart" xmlns:dgm="http://schemas.openxmlformats.org/drawingml/2006/diagram" xmlns:o="urn:schemas-microsoft-com:office:office" xmlns:v="urn:schemas-microsoft-com:vml" xmlns:pvml="urn:schemas-microsoft-com:office:powerpoint" xmlns:com="http://schemas.openxmlformats.org/drawingml/2006/compatibility" xmlns:p14="http://schemas.microsoft.com/office/powerpoint/2010/main">
+<p:sldLayout xmlns:a="http://schemas.openxmlformats.org/drawingml/2006/main" xmlns:r="http://schemas.openxmlformats.org/officeDocument/2006/relationships" xmlns:p="http://schemas.openxmlformats.org/presentationml/2006/main">
   <p:cSld name="Section title and description">
     <p:spTree>
       <p:nvGrpSpPr>
-        <p:cNvPr id="35" name="Shape 35"/>
+        <p:cNvPr id="1" name="Shape 35"/>
         <p:cNvGrpSpPr/>
         <p:nvPr/>
       </p:nvGrpSpPr>
@@ -2477,7 +2692,7 @@
           </a:ln>
         </p:spPr>
         <p:txBody>
-          <a:bodyPr anchorCtr="0" anchor="ctr" bIns="91425" lIns="91425" rIns="91425" tIns="91425">
+          <a:bodyPr lIns="91425" tIns="91425" rIns="91425" bIns="91425" anchor="ctr" anchorCtr="0">
             <a:noAutofit/>
           </a:bodyPr>
           <a:lstStyle/>
@@ -2488,9 +2703,6 @@
               </a:spcBef>
               <a:buNone/>
             </a:pPr>
-            <a:r>
-              <a:t/>
-            </a:r>
             <a:endParaRPr/>
           </a:p>
         </p:txBody>
@@ -2498,7 +2710,9 @@
       <p:sp>
         <p:nvSpPr>
           <p:cNvPr id="37" name="Shape 37"/>
-          <p:cNvSpPr txBox="1"/>
+          <p:cNvSpPr txBox="1">
+            <a:spLocks noGrp="1"/>
+          </p:cNvSpPr>
           <p:nvPr>
             <p:ph type="title"/>
           </p:nvPr>
@@ -2513,7 +2727,7 @@
           </a:prstGeom>
         </p:spPr>
         <p:txBody>
-          <a:bodyPr anchorCtr="0" anchor="b" bIns="91425" lIns="91425" rIns="91425" tIns="91425"/>
+          <a:bodyPr lIns="91425" tIns="91425" rIns="91425" bIns="91425" anchor="b" anchorCtr="0"/>
           <a:lstStyle>
             <a:lvl1pPr lvl="0" algn="ctr">
               <a:spcBef>
@@ -2579,15 +2793,19 @@
               <a:defRPr sz="4200"/>
             </a:lvl9pPr>
           </a:lstStyle>
-          <a:p/>
+          <a:p>
+            <a:endParaRPr/>
+          </a:p>
         </p:txBody>
       </p:sp>
       <p:sp>
         <p:nvSpPr>
           <p:cNvPr id="38" name="Shape 38"/>
-          <p:cNvSpPr txBox="1"/>
+          <p:cNvSpPr txBox="1">
+            <a:spLocks noGrp="1"/>
+          </p:cNvSpPr>
           <p:nvPr>
-            <p:ph idx="1" type="subTitle"/>
+            <p:ph type="subTitle" idx="1"/>
           </p:nvPr>
         </p:nvSpPr>
         <p:spPr>
@@ -2600,7 +2818,7 @@
           </a:prstGeom>
         </p:spPr>
         <p:txBody>
-          <a:bodyPr anchorCtr="0" anchor="t" bIns="91425" lIns="91425" rIns="91425" tIns="91425"/>
+          <a:bodyPr lIns="91425" tIns="91425" rIns="91425" bIns="91425" anchor="t" anchorCtr="0"/>
           <a:lstStyle>
             <a:lvl1pPr lvl="0" algn="ctr">
               <a:lnSpc>
@@ -2729,15 +2947,19 @@
               <a:defRPr sz="2100"/>
             </a:lvl9pPr>
           </a:lstStyle>
-          <a:p/>
+          <a:p>
+            <a:endParaRPr/>
+          </a:p>
         </p:txBody>
       </p:sp>
       <p:sp>
         <p:nvSpPr>
           <p:cNvPr id="39" name="Shape 39"/>
-          <p:cNvSpPr txBox="1"/>
+          <p:cNvSpPr txBox="1">
+            <a:spLocks noGrp="1"/>
+          </p:cNvSpPr>
           <p:nvPr>
-            <p:ph idx="2" type="body"/>
+            <p:ph type="body" idx="2"/>
           </p:nvPr>
         </p:nvSpPr>
         <p:spPr>
@@ -2750,7 +2972,7 @@
           </a:prstGeom>
         </p:spPr>
         <p:txBody>
-          <a:bodyPr anchorCtr="0" anchor="ctr" bIns="91425" lIns="91425" rIns="91425" tIns="91425"/>
+          <a:bodyPr lIns="91425" tIns="91425" rIns="91425" bIns="91425" anchor="ctr" anchorCtr="0"/>
           <a:lstStyle>
             <a:lvl1pPr lvl="0">
               <a:spcBef>
@@ -2807,15 +3029,19 @@
               <a:defRPr/>
             </a:lvl9pPr>
           </a:lstStyle>
-          <a:p/>
+          <a:p>
+            <a:endParaRPr/>
+          </a:p>
         </p:txBody>
       </p:sp>
       <p:sp>
         <p:nvSpPr>
           <p:cNvPr id="40" name="Shape 40"/>
-          <p:cNvSpPr txBox="1"/>
+          <p:cNvSpPr txBox="1">
+            <a:spLocks noGrp="1"/>
+          </p:cNvSpPr>
           <p:nvPr>
-            <p:ph idx="12" type="sldNum"/>
+            <p:ph type="sldNum" idx="12"/>
           </p:nvPr>
         </p:nvSpPr>
         <p:spPr>
@@ -2828,7 +3054,7 @@
           </a:prstGeom>
         </p:spPr>
         <p:txBody>
-          <a:bodyPr anchorCtr="0" anchor="ctr" bIns="91425" lIns="91425" rIns="91425" tIns="91425">
+          <a:bodyPr lIns="91425" tIns="91425" rIns="91425" bIns="91425" anchor="ctr" anchorCtr="0">
             <a:noAutofit/>
           </a:bodyPr>
           <a:lstStyle/>
@@ -2841,8 +3067,9 @@
             </a:pPr>
             <a:fld id="{00000000-1234-1234-1234-123412341234}" type="slidenum">
               <a:rPr lang="fr"/>
-              <a:t>‹#›</a:t>
+              <a:t>‹N°›</a:t>
             </a:fld>
+            <a:endParaRPr lang="fr"/>
           </a:p>
         </p:txBody>
       </p:sp>
@@ -2855,11 +3082,11 @@
 </file>
 
 <file path=ppt/slideLayouts/slideLayout9.xml><?xml version="1.0" encoding="utf-8"?>
-<p:sldLayout xmlns:a="http://schemas.openxmlformats.org/drawingml/2006/main" xmlns:r="http://schemas.openxmlformats.org/officeDocument/2006/relationships" xmlns:mc="http://schemas.openxmlformats.org/markup-compatibility/2006" xmlns:mv="urn:schemas-microsoft-com:mac:vml" xmlns:p="http://schemas.openxmlformats.org/presentationml/2006/main" xmlns:c="http://schemas.openxmlformats.org/drawingml/2006/chart" xmlns:dgm="http://schemas.openxmlformats.org/drawingml/2006/diagram" xmlns:o="urn:schemas-microsoft-com:office:office" xmlns:v="urn:schemas-microsoft-com:vml" xmlns:pvml="urn:schemas-microsoft-com:office:powerpoint" xmlns:com="http://schemas.openxmlformats.org/drawingml/2006/compatibility" xmlns:p14="http://schemas.microsoft.com/office/powerpoint/2010/main">
+<p:sldLayout xmlns:a="http://schemas.openxmlformats.org/drawingml/2006/main" xmlns:r="http://schemas.openxmlformats.org/officeDocument/2006/relationships" xmlns:p="http://schemas.openxmlformats.org/presentationml/2006/main">
   <p:cSld name="Caption">
     <p:spTree>
       <p:nvGrpSpPr>
-        <p:cNvPr id="41" name="Shape 41"/>
+        <p:cNvPr id="1" name="Shape 41"/>
         <p:cNvGrpSpPr/>
         <p:nvPr/>
       </p:nvGrpSpPr>
@@ -2874,9 +3101,11 @@
       <p:sp>
         <p:nvSpPr>
           <p:cNvPr id="42" name="Shape 42"/>
-          <p:cNvSpPr txBox="1"/>
+          <p:cNvSpPr txBox="1">
+            <a:spLocks noGrp="1"/>
+          </p:cNvSpPr>
           <p:nvPr>
-            <p:ph idx="1" type="body"/>
+            <p:ph type="body" idx="1"/>
           </p:nvPr>
         </p:nvSpPr>
         <p:spPr>
@@ -2889,7 +3118,7 @@
           </a:prstGeom>
         </p:spPr>
         <p:txBody>
-          <a:bodyPr anchorCtr="0" anchor="ctr" bIns="91425" lIns="91425" rIns="91425" tIns="91425"/>
+          <a:bodyPr lIns="91425" tIns="91425" rIns="91425" bIns="91425" anchor="ctr" anchorCtr="0"/>
           <a:lstStyle>
             <a:lvl1pPr lvl="0">
               <a:lnSpc>
@@ -2905,15 +3134,19 @@
               <a:defRPr/>
             </a:lvl1pPr>
           </a:lstStyle>
-          <a:p/>
+          <a:p>
+            <a:endParaRPr/>
+          </a:p>
         </p:txBody>
       </p:sp>
       <p:sp>
         <p:nvSpPr>
           <p:cNvPr id="43" name="Shape 43"/>
-          <p:cNvSpPr txBox="1"/>
+          <p:cNvSpPr txBox="1">
+            <a:spLocks noGrp="1"/>
+          </p:cNvSpPr>
           <p:nvPr>
-            <p:ph idx="12" type="sldNum"/>
+            <p:ph type="sldNum" idx="12"/>
           </p:nvPr>
         </p:nvSpPr>
         <p:spPr>
@@ -2926,7 +3159,7 @@
           </a:prstGeom>
         </p:spPr>
         <p:txBody>
-          <a:bodyPr anchorCtr="0" anchor="ctr" bIns="91425" lIns="91425" rIns="91425" tIns="91425">
+          <a:bodyPr lIns="91425" tIns="91425" rIns="91425" bIns="91425" anchor="ctr" anchorCtr="0">
             <a:noAutofit/>
           </a:bodyPr>
           <a:lstStyle/>
@@ -2939,8 +3172,9 @@
             </a:pPr>
             <a:fld id="{00000000-1234-1234-1234-123412341234}" type="slidenum">
               <a:rPr lang="fr"/>
-              <a:t>‹#›</a:t>
+              <a:t>‹N°›</a:t>
             </a:fld>
+            <a:endParaRPr lang="fr"/>
           </a:p>
         </p:txBody>
       </p:sp>
@@ -2953,18 +3187,19 @@
 </file>
 
 <file path=ppt/slideMasters/slideMaster1.xml><?xml version="1.0" encoding="utf-8"?>
-<p:sldMaster xmlns:a="http://schemas.openxmlformats.org/drawingml/2006/main" xmlns:r="http://schemas.openxmlformats.org/officeDocument/2006/relationships" xmlns:mc="http://schemas.openxmlformats.org/markup-compatibility/2006" xmlns:mv="urn:schemas-microsoft-com:mac:vml" xmlns:p="http://schemas.openxmlformats.org/presentationml/2006/main" xmlns:c="http://schemas.openxmlformats.org/drawingml/2006/chart" xmlns:dgm="http://schemas.openxmlformats.org/drawingml/2006/diagram" xmlns:o="urn:schemas-microsoft-com:office:office" xmlns:v="urn:schemas-microsoft-com:vml" xmlns:pvml="urn:schemas-microsoft-com:office:powerpoint" xmlns:com="http://schemas.openxmlformats.org/drawingml/2006/compatibility" xmlns:p14="http://schemas.microsoft.com/office/powerpoint/2010/main">
+<p:sldMaster xmlns:a="http://schemas.openxmlformats.org/drawingml/2006/main" xmlns:r="http://schemas.openxmlformats.org/officeDocument/2006/relationships" xmlns:p="http://schemas.openxmlformats.org/presentationml/2006/main">
   <p:cSld>
     <p:bg>
       <p:bgPr>
         <a:solidFill>
           <a:schemeClr val="lt1"/>
         </a:solidFill>
+        <a:effectLst/>
       </p:bgPr>
     </p:bg>
     <p:spTree>
       <p:nvGrpSpPr>
-        <p:cNvPr id="5" name="Shape 5"/>
+        <p:cNvPr id="1" name="Shape 5"/>
         <p:cNvGrpSpPr/>
         <p:nvPr/>
       </p:nvGrpSpPr>
@@ -2979,7 +3214,9 @@
       <p:sp>
         <p:nvSpPr>
           <p:cNvPr id="6" name="Shape 6"/>
-          <p:cNvSpPr txBox="1"/>
+          <p:cNvSpPr txBox="1">
+            <a:spLocks noGrp="1"/>
+          </p:cNvSpPr>
           <p:nvPr>
             <p:ph type="title"/>
           </p:nvPr>
@@ -2998,7 +3235,7 @@
           </a:ln>
         </p:spPr>
         <p:txBody>
-          <a:bodyPr anchorCtr="0" anchor="t" bIns="91425" lIns="91425" rIns="91425" tIns="91425"/>
+          <a:bodyPr lIns="91425" tIns="91425" rIns="91425" bIns="91425" anchor="t" anchorCtr="0"/>
           <a:lstStyle>
             <a:lvl1pPr lvl="0">
               <a:spcBef>
@@ -3136,15 +3373,19 @@
               </a:defRPr>
             </a:lvl9pPr>
           </a:lstStyle>
-          <a:p/>
+          <a:p>
+            <a:endParaRPr/>
+          </a:p>
         </p:txBody>
       </p:sp>
       <p:sp>
         <p:nvSpPr>
           <p:cNvPr id="7" name="Shape 7"/>
-          <p:cNvSpPr txBox="1"/>
+          <p:cNvSpPr txBox="1">
+            <a:spLocks noGrp="1"/>
+          </p:cNvSpPr>
           <p:nvPr>
-            <p:ph idx="1" type="body"/>
+            <p:ph type="body" idx="1"/>
           </p:nvPr>
         </p:nvSpPr>
         <p:spPr>
@@ -3161,7 +3402,7 @@
           </a:ln>
         </p:spPr>
         <p:txBody>
-          <a:bodyPr anchorCtr="0" anchor="t" bIns="91425" lIns="91425" rIns="91425" tIns="91425"/>
+          <a:bodyPr lIns="91425" tIns="91425" rIns="91425" bIns="91425" anchor="t" anchorCtr="0"/>
           <a:lstStyle>
             <a:lvl1pPr lvl="0">
               <a:lnSpc>
@@ -3336,15 +3577,19 @@
               </a:defRPr>
             </a:lvl9pPr>
           </a:lstStyle>
-          <a:p/>
+          <a:p>
+            <a:endParaRPr/>
+          </a:p>
         </p:txBody>
       </p:sp>
       <p:sp>
         <p:nvSpPr>
           <p:cNvPr id="8" name="Shape 8"/>
-          <p:cNvSpPr txBox="1"/>
+          <p:cNvSpPr txBox="1">
+            <a:spLocks noGrp="1"/>
+          </p:cNvSpPr>
           <p:nvPr>
-            <p:ph idx="12" type="sldNum"/>
+            <p:ph type="sldNum" idx="12"/>
           </p:nvPr>
         </p:nvSpPr>
         <p:spPr>
@@ -3361,7 +3606,7 @@
           </a:ln>
         </p:spPr>
         <p:txBody>
-          <a:bodyPr anchorCtr="0" anchor="ctr" bIns="91425" lIns="91425" rIns="91425" tIns="91425">
+          <a:bodyPr lIns="91425" tIns="91425" rIns="91425" bIns="91425" anchor="ctr" anchorCtr="0">
             <a:noAutofit/>
           </a:bodyPr>
           <a:lstStyle/>
@@ -3378,14 +3623,19 @@
                   <a:schemeClr val="dk2"/>
                 </a:solidFill>
               </a:rPr>
-              <a:t>‹#›</a:t>
+              <a:t>‹N°›</a:t>
             </a:fld>
+            <a:endParaRPr lang="fr" sz="1000">
+              <a:solidFill>
+                <a:schemeClr val="dk2"/>
+              </a:solidFill>
+            </a:endParaRPr>
           </a:p>
         </p:txBody>
       </p:sp>
     </p:spTree>
   </p:cSld>
-  <p:clrMap accent1="accent1" accent2="accent2" accent3="accent3" accent4="accent4" accent5="accent5" accent6="accent6" bg1="lt1" bg2="dk2" tx1="dk1" tx2="lt2" folHlink="folHlink" hlink="hlink"/>
+  <p:clrMap bg1="lt1" tx1="dk1" bg2="dk2" tx2="lt2" accent1="accent1" accent2="accent2" accent3="accent3" accent4="accent4" accent5="accent5" accent6="accent6" hlink="hlink" folHlink="folHlink"/>
   <p:sldLayoutIdLst>
     <p:sldLayoutId id="2147483648" r:id="rId1"/>
     <p:sldLayoutId id="2147483649" r:id="rId2"/>
@@ -3399,10 +3649,10 @@
     <p:sldLayoutId id="2147483657" r:id="rId10"/>
     <p:sldLayoutId id="2147483658" r:id="rId11"/>
   </p:sldLayoutIdLst>
-  <p:hf dt="0" ftr="0" hdr="0" sldNum="0"/>
+  <p:hf sldNum="0" hdr="0" ftr="0" dt="0"/>
   <p:txStyles>
     <p:titleStyle>
-      <a:defPPr lvl="0" marR="0" rtl="0" algn="l">
+      <a:defPPr marR="0" lvl="0" algn="l" rtl="0">
         <a:lnSpc>
           <a:spcPct val="100000"/>
         </a:lnSpc>
@@ -3413,7 +3663,7 @@
           <a:spcPts val="0"/>
         </a:spcAft>
       </a:defPPr>
-      <a:lvl1pPr lvl="0" marR="0" rtl="0" algn="l">
+      <a:lvl1pPr marR="0" lvl="0" algn="l" rtl="0">
         <a:lnSpc>
           <a:spcPct val="100000"/>
         </a:lnSpc>
@@ -3424,7 +3674,7 @@
           <a:spcPts val="0"/>
         </a:spcAft>
         <a:buNone/>
-        <a:defRPr b="0" i="0" sz="1400" u="none" cap="none" strike="noStrike">
+        <a:defRPr sz="1400" b="0" i="0" u="none" strike="noStrike" cap="none">
           <a:solidFill>
             <a:srgbClr val="000000"/>
           </a:solidFill>
@@ -3436,7 +3686,7 @@
       </a:lvl1pPr>
     </p:titleStyle>
     <p:bodyStyle>
-      <a:defPPr lvl="0" marR="0" rtl="0" algn="l">
+      <a:defPPr marR="0" lvl="0" algn="l" rtl="0">
         <a:lnSpc>
           <a:spcPct val="100000"/>
         </a:lnSpc>
@@ -3447,7 +3697,7 @@
           <a:spcPts val="0"/>
         </a:spcAft>
       </a:defPPr>
-      <a:lvl1pPr lvl="0" marR="0" rtl="0" algn="l">
+      <a:lvl1pPr marR="0" lvl="0" algn="l" rtl="0">
         <a:lnSpc>
           <a:spcPct val="100000"/>
         </a:lnSpc>
@@ -3458,7 +3708,7 @@
           <a:spcPts val="0"/>
         </a:spcAft>
         <a:buNone/>
-        <a:defRPr b="0" i="0" sz="1400" u="none" cap="none" strike="noStrike">
+        <a:defRPr sz="1400" b="0" i="0" u="none" strike="noStrike" cap="none">
           <a:solidFill>
             <a:srgbClr val="000000"/>
           </a:solidFill>
@@ -3468,7 +3718,7 @@
           <a:sym typeface="Arial"/>
         </a:defRPr>
       </a:lvl1pPr>
-      <a:lvl2pPr lvl="1" marR="0" rtl="0" algn="l">
+      <a:lvl2pPr marR="0" lvl="1" algn="l" rtl="0">
         <a:lnSpc>
           <a:spcPct val="100000"/>
         </a:lnSpc>
@@ -3479,7 +3729,7 @@
           <a:spcPts val="0"/>
         </a:spcAft>
         <a:buNone/>
-        <a:defRPr b="0" i="0" sz="1400" u="none" cap="none" strike="noStrike">
+        <a:defRPr sz="1400" b="0" i="0" u="none" strike="noStrike" cap="none">
           <a:solidFill>
             <a:srgbClr val="000000"/>
           </a:solidFill>
@@ -3489,7 +3739,7 @@
           <a:sym typeface="Arial"/>
         </a:defRPr>
       </a:lvl2pPr>
-      <a:lvl3pPr lvl="2" marR="0" rtl="0" algn="l">
+      <a:lvl3pPr marR="0" lvl="2" algn="l" rtl="0">
         <a:lnSpc>
           <a:spcPct val="100000"/>
         </a:lnSpc>
@@ -3500,7 +3750,7 @@
           <a:spcPts val="0"/>
         </a:spcAft>
         <a:buNone/>
-        <a:defRPr b="0" i="0" sz="1400" u="none" cap="none" strike="noStrike">
+        <a:defRPr sz="1400" b="0" i="0" u="none" strike="noStrike" cap="none">
           <a:solidFill>
             <a:srgbClr val="000000"/>
           </a:solidFill>
@@ -3510,7 +3760,7 @@
           <a:sym typeface="Arial"/>
         </a:defRPr>
       </a:lvl3pPr>
-      <a:lvl4pPr lvl="3" marR="0" rtl="0" algn="l">
+      <a:lvl4pPr marR="0" lvl="3" algn="l" rtl="0">
         <a:lnSpc>
           <a:spcPct val="100000"/>
         </a:lnSpc>
@@ -3521,7 +3771,7 @@
           <a:spcPts val="0"/>
         </a:spcAft>
         <a:buNone/>
-        <a:defRPr b="0" i="0" sz="1400" u="none" cap="none" strike="noStrike">
+        <a:defRPr sz="1400" b="0" i="0" u="none" strike="noStrike" cap="none">
           <a:solidFill>
             <a:srgbClr val="000000"/>
           </a:solidFill>
@@ -3531,7 +3781,7 @@
           <a:sym typeface="Arial"/>
         </a:defRPr>
       </a:lvl4pPr>
-      <a:lvl5pPr lvl="4" marR="0" rtl="0" algn="l">
+      <a:lvl5pPr marR="0" lvl="4" algn="l" rtl="0">
         <a:lnSpc>
           <a:spcPct val="100000"/>
         </a:lnSpc>
@@ -3542,7 +3792,7 @@
           <a:spcPts val="0"/>
         </a:spcAft>
         <a:buNone/>
-        <a:defRPr b="0" i="0" sz="1400" u="none" cap="none" strike="noStrike">
+        <a:defRPr sz="1400" b="0" i="0" u="none" strike="noStrike" cap="none">
           <a:solidFill>
             <a:srgbClr val="000000"/>
           </a:solidFill>
@@ -3552,7 +3802,7 @@
           <a:sym typeface="Arial"/>
         </a:defRPr>
       </a:lvl5pPr>
-      <a:lvl6pPr lvl="5" marR="0" rtl="0" algn="l">
+      <a:lvl6pPr marR="0" lvl="5" algn="l" rtl="0">
         <a:lnSpc>
           <a:spcPct val="100000"/>
         </a:lnSpc>
@@ -3563,7 +3813,7 @@
           <a:spcPts val="0"/>
         </a:spcAft>
         <a:buNone/>
-        <a:defRPr b="0" i="0" sz="1400" u="none" cap="none" strike="noStrike">
+        <a:defRPr sz="1400" b="0" i="0" u="none" strike="noStrike" cap="none">
           <a:solidFill>
             <a:srgbClr val="000000"/>
           </a:solidFill>
@@ -3573,7 +3823,7 @@
           <a:sym typeface="Arial"/>
         </a:defRPr>
       </a:lvl6pPr>
-      <a:lvl7pPr lvl="6" marR="0" rtl="0" algn="l">
+      <a:lvl7pPr marR="0" lvl="6" algn="l" rtl="0">
         <a:lnSpc>
           <a:spcPct val="100000"/>
         </a:lnSpc>
@@ -3584,7 +3834,7 @@
           <a:spcPts val="0"/>
         </a:spcAft>
         <a:buNone/>
-        <a:defRPr b="0" i="0" sz="1400" u="none" cap="none" strike="noStrike">
+        <a:defRPr sz="1400" b="0" i="0" u="none" strike="noStrike" cap="none">
           <a:solidFill>
             <a:srgbClr val="000000"/>
           </a:solidFill>
@@ -3594,7 +3844,7 @@
           <a:sym typeface="Arial"/>
         </a:defRPr>
       </a:lvl7pPr>
-      <a:lvl8pPr lvl="7" marR="0" rtl="0" algn="l">
+      <a:lvl8pPr marR="0" lvl="7" algn="l" rtl="0">
         <a:lnSpc>
           <a:spcPct val="100000"/>
         </a:lnSpc>
@@ -3605,7 +3855,7 @@
           <a:spcPts val="0"/>
         </a:spcAft>
         <a:buNone/>
-        <a:defRPr b="0" i="0" sz="1400" u="none" cap="none" strike="noStrike">
+        <a:defRPr sz="1400" b="0" i="0" u="none" strike="noStrike" cap="none">
           <a:solidFill>
             <a:srgbClr val="000000"/>
           </a:solidFill>
@@ -3615,7 +3865,7 @@
           <a:sym typeface="Arial"/>
         </a:defRPr>
       </a:lvl8pPr>
-      <a:lvl9pPr lvl="8" marR="0" rtl="0" algn="l">
+      <a:lvl9pPr marR="0" lvl="8" algn="l" rtl="0">
         <a:lnSpc>
           <a:spcPct val="100000"/>
         </a:lnSpc>
@@ -3626,7 +3876,7 @@
           <a:spcPts val="0"/>
         </a:spcAft>
         <a:buNone/>
-        <a:defRPr b="0" i="0" sz="1400" u="none" cap="none" strike="noStrike">
+        <a:defRPr sz="1400" b="0" i="0" u="none" strike="noStrike" cap="none">
           <a:solidFill>
             <a:srgbClr val="000000"/>
           </a:solidFill>
@@ -3638,7 +3888,7 @@
       </a:lvl9pPr>
     </p:bodyStyle>
     <p:otherStyle>
-      <a:defPPr lvl="0" marR="0" rtl="0" algn="l">
+      <a:defPPr marR="0" lvl="0" algn="l" rtl="0">
         <a:lnSpc>
           <a:spcPct val="100000"/>
         </a:lnSpc>
@@ -3649,7 +3899,7 @@
           <a:spcPts val="0"/>
         </a:spcAft>
       </a:defPPr>
-      <a:lvl1pPr lvl="0" marR="0" rtl="0" algn="l">
+      <a:lvl1pPr marR="0" lvl="0" algn="l" rtl="0">
         <a:lnSpc>
           <a:spcPct val="100000"/>
         </a:lnSpc>
@@ -3660,7 +3910,7 @@
           <a:spcPts val="0"/>
         </a:spcAft>
         <a:buNone/>
-        <a:defRPr b="0" i="0" sz="1400" u="none" cap="none" strike="noStrike">
+        <a:defRPr sz="1400" b="0" i="0" u="none" strike="noStrike" cap="none">
           <a:solidFill>
             <a:srgbClr val="000000"/>
           </a:solidFill>
@@ -3670,7 +3920,7 @@
           <a:sym typeface="Arial"/>
         </a:defRPr>
       </a:lvl1pPr>
-      <a:lvl2pPr lvl="1" marR="0" rtl="0" algn="l">
+      <a:lvl2pPr marR="0" lvl="1" algn="l" rtl="0">
         <a:lnSpc>
           <a:spcPct val="100000"/>
         </a:lnSpc>
@@ -3681,7 +3931,7 @@
           <a:spcPts val="0"/>
         </a:spcAft>
         <a:buNone/>
-        <a:defRPr b="0" i="0" sz="1400" u="none" cap="none" strike="noStrike">
+        <a:defRPr sz="1400" b="0" i="0" u="none" strike="noStrike" cap="none">
           <a:solidFill>
             <a:srgbClr val="000000"/>
           </a:solidFill>
@@ -3691,7 +3941,7 @@
           <a:sym typeface="Arial"/>
         </a:defRPr>
       </a:lvl2pPr>
-      <a:lvl3pPr lvl="2" marR="0" rtl="0" algn="l">
+      <a:lvl3pPr marR="0" lvl="2" algn="l" rtl="0">
         <a:lnSpc>
           <a:spcPct val="100000"/>
         </a:lnSpc>
@@ -3702,7 +3952,7 @@
           <a:spcPts val="0"/>
         </a:spcAft>
         <a:buNone/>
-        <a:defRPr b="0" i="0" sz="1400" u="none" cap="none" strike="noStrike">
+        <a:defRPr sz="1400" b="0" i="0" u="none" strike="noStrike" cap="none">
           <a:solidFill>
             <a:srgbClr val="000000"/>
           </a:solidFill>
@@ -3712,7 +3962,7 @@
           <a:sym typeface="Arial"/>
         </a:defRPr>
       </a:lvl3pPr>
-      <a:lvl4pPr lvl="3" marR="0" rtl="0" algn="l">
+      <a:lvl4pPr marR="0" lvl="3" algn="l" rtl="0">
         <a:lnSpc>
           <a:spcPct val="100000"/>
         </a:lnSpc>
@@ -3723,7 +3973,7 @@
           <a:spcPts val="0"/>
         </a:spcAft>
         <a:buNone/>
-        <a:defRPr b="0" i="0" sz="1400" u="none" cap="none" strike="noStrike">
+        <a:defRPr sz="1400" b="0" i="0" u="none" strike="noStrike" cap="none">
           <a:solidFill>
             <a:srgbClr val="000000"/>
           </a:solidFill>
@@ -3733,7 +3983,7 @@
           <a:sym typeface="Arial"/>
         </a:defRPr>
       </a:lvl4pPr>
-      <a:lvl5pPr lvl="4" marR="0" rtl="0" algn="l">
+      <a:lvl5pPr marR="0" lvl="4" algn="l" rtl="0">
         <a:lnSpc>
           <a:spcPct val="100000"/>
         </a:lnSpc>
@@ -3744,7 +3994,7 @@
           <a:spcPts val="0"/>
         </a:spcAft>
         <a:buNone/>
-        <a:defRPr b="0" i="0" sz="1400" u="none" cap="none" strike="noStrike">
+        <a:defRPr sz="1400" b="0" i="0" u="none" strike="noStrike" cap="none">
           <a:solidFill>
             <a:srgbClr val="000000"/>
           </a:solidFill>
@@ -3754,7 +4004,7 @@
           <a:sym typeface="Arial"/>
         </a:defRPr>
       </a:lvl5pPr>
-      <a:lvl6pPr lvl="5" marR="0" rtl="0" algn="l">
+      <a:lvl6pPr marR="0" lvl="5" algn="l" rtl="0">
         <a:lnSpc>
           <a:spcPct val="100000"/>
         </a:lnSpc>
@@ -3765,7 +4015,7 @@
           <a:spcPts val="0"/>
         </a:spcAft>
         <a:buNone/>
-        <a:defRPr b="0" i="0" sz="1400" u="none" cap="none" strike="noStrike">
+        <a:defRPr sz="1400" b="0" i="0" u="none" strike="noStrike" cap="none">
           <a:solidFill>
             <a:srgbClr val="000000"/>
           </a:solidFill>
@@ -3775,7 +4025,7 @@
           <a:sym typeface="Arial"/>
         </a:defRPr>
       </a:lvl6pPr>
-      <a:lvl7pPr lvl="6" marR="0" rtl="0" algn="l">
+      <a:lvl7pPr marR="0" lvl="6" algn="l" rtl="0">
         <a:lnSpc>
           <a:spcPct val="100000"/>
         </a:lnSpc>
@@ -3786,7 +4036,7 @@
           <a:spcPts val="0"/>
         </a:spcAft>
         <a:buNone/>
-        <a:defRPr b="0" i="0" sz="1400" u="none" cap="none" strike="noStrike">
+        <a:defRPr sz="1400" b="0" i="0" u="none" strike="noStrike" cap="none">
           <a:solidFill>
             <a:srgbClr val="000000"/>
           </a:solidFill>
@@ -3796,7 +4046,7 @@
           <a:sym typeface="Arial"/>
         </a:defRPr>
       </a:lvl7pPr>
-      <a:lvl8pPr lvl="7" marR="0" rtl="0" algn="l">
+      <a:lvl8pPr marR="0" lvl="7" algn="l" rtl="0">
         <a:lnSpc>
           <a:spcPct val="100000"/>
         </a:lnSpc>
@@ -3807,7 +4057,7 @@
           <a:spcPts val="0"/>
         </a:spcAft>
         <a:buNone/>
-        <a:defRPr b="0" i="0" sz="1400" u="none" cap="none" strike="noStrike">
+        <a:defRPr sz="1400" b="0" i="0" u="none" strike="noStrike" cap="none">
           <a:solidFill>
             <a:srgbClr val="000000"/>
           </a:solidFill>
@@ -3817,7 +4067,7 @@
           <a:sym typeface="Arial"/>
         </a:defRPr>
       </a:lvl8pPr>
-      <a:lvl9pPr lvl="8" marR="0" rtl="0" algn="l">
+      <a:lvl9pPr marR="0" lvl="8" algn="l" rtl="0">
         <a:lnSpc>
           <a:spcPct val="100000"/>
         </a:lnSpc>
@@ -3828,7 +4078,7 @@
           <a:spcPts val="0"/>
         </a:spcAft>
         <a:buNone/>
-        <a:defRPr b="0" i="0" sz="1400" u="none" cap="none" strike="noStrike">
+        <a:defRPr sz="1400" b="0" i="0" u="none" strike="noStrike" cap="none">
           <a:solidFill>
             <a:srgbClr val="000000"/>
           </a:solidFill>
@@ -3844,11 +4094,11 @@
 </file>
 
 <file path=ppt/slides/slide1.xml><?xml version="1.0" encoding="utf-8"?>
-<p:sld xmlns:a="http://schemas.openxmlformats.org/drawingml/2006/main" xmlns:r="http://schemas.openxmlformats.org/officeDocument/2006/relationships" xmlns:mc="http://schemas.openxmlformats.org/markup-compatibility/2006" xmlns:mv="urn:schemas-microsoft-com:mac:vml" xmlns:p="http://schemas.openxmlformats.org/presentationml/2006/main" xmlns:c="http://schemas.openxmlformats.org/drawingml/2006/chart" xmlns:dgm="http://schemas.openxmlformats.org/drawingml/2006/diagram" xmlns:o="urn:schemas-microsoft-com:office:office" xmlns:v="urn:schemas-microsoft-com:vml" xmlns:pvml="urn:schemas-microsoft-com:office:powerpoint" xmlns:com="http://schemas.openxmlformats.org/drawingml/2006/compatibility" xmlns:p14="http://schemas.microsoft.com/office/powerpoint/2010/main">
+<p:sld xmlns:a="http://schemas.openxmlformats.org/drawingml/2006/main" xmlns:r="http://schemas.openxmlformats.org/officeDocument/2006/relationships" xmlns:p="http://schemas.openxmlformats.org/presentationml/2006/main">
   <p:cSld>
     <p:spTree>
       <p:nvGrpSpPr>
-        <p:cNvPr id="53" name="Shape 53"/>
+        <p:cNvPr id="1" name="Shape 53"/>
         <p:cNvGrpSpPr/>
         <p:nvPr/>
       </p:nvGrpSpPr>
@@ -3888,6 +4138,58 @@
           </a:ln>
         </p:spPr>
       </p:pic>
+      <p:sp>
+        <p:nvSpPr>
+          <p:cNvPr id="2" name="Rectangle 1"/>
+          <p:cNvSpPr/>
+          <p:nvPr/>
+        </p:nvSpPr>
+        <p:spPr>
+          <a:xfrm>
+            <a:off x="0" y="0"/>
+            <a:ext cx="9144000" cy="5143500"/>
+          </a:xfrm>
+          <a:prstGeom prst="rect">
+            <a:avLst/>
+          </a:prstGeom>
+          <a:solidFill>
+            <a:srgbClr val="000000">
+              <a:alpha val="60000"/>
+            </a:srgbClr>
+          </a:solidFill>
+          <a:ln>
+            <a:solidFill>
+              <a:srgbClr val="000000">
+                <a:alpha val="10196"/>
+              </a:srgbClr>
+            </a:solidFill>
+          </a:ln>
+        </p:spPr>
+        <p:style>
+          <a:lnRef idx="2">
+            <a:schemeClr val="accent1">
+              <a:shade val="50000"/>
+            </a:schemeClr>
+          </a:lnRef>
+          <a:fillRef idx="1">
+            <a:schemeClr val="accent1"/>
+          </a:fillRef>
+          <a:effectRef idx="0">
+            <a:schemeClr val="accent1"/>
+          </a:effectRef>
+          <a:fontRef idx="minor">
+            <a:schemeClr val="lt1"/>
+          </a:fontRef>
+        </p:style>
+        <p:txBody>
+          <a:bodyPr rtlCol="0" anchor="ctr"/>
+          <a:lstStyle/>
+          <a:p>
+            <a:pPr algn="ctr"/>
+            <a:endParaRPr lang="fr-FR"/>
+          </a:p>
+        </p:txBody>
+      </p:sp>
       <p:pic>
         <p:nvPicPr>
           <p:cNvPr id="55" name="Shape 55"/>
@@ -3936,7 +4238,7 @@
           </a:ln>
         </p:spPr>
         <p:txBody>
-          <a:bodyPr anchorCtr="0" anchor="t" bIns="91425" lIns="91425" rIns="91425" tIns="91425">
+          <a:bodyPr lIns="91425" tIns="91425" rIns="91425" bIns="91425" anchor="t" anchorCtr="0">
             <a:noAutofit/>
           </a:bodyPr>
           <a:lstStyle/>
@@ -3974,12 +4276,12 @@
           </a:ln>
         </p:spPr>
         <p:txBody>
-          <a:bodyPr anchorCtr="0" anchor="t" bIns="91425" lIns="91425" rIns="91425" tIns="91425">
+          <a:bodyPr lIns="91425" tIns="91425" rIns="91425" bIns="91425" anchor="t" anchorCtr="0">
             <a:noAutofit/>
           </a:bodyPr>
           <a:lstStyle/>
           <a:p>
-            <a:pPr indent="-228600" lvl="0" marL="457200" rtl="0">
+            <a:pPr marL="457200" lvl="0" indent="-228600" rtl="0">
               <a:lnSpc>
                 <a:spcPct val="200000"/>
               </a:lnSpc>
@@ -3992,7 +4294,7 @@
               <a:buChar char="●"/>
             </a:pPr>
             <a:r>
-              <a:rPr b="1" lang="fr">
+              <a:rPr lang="fr" b="1">
                 <a:solidFill>
                   <a:srgbClr val="F3F3F3"/>
                 </a:solidFill>
@@ -4001,7 +4303,7 @@
             </a:r>
           </a:p>
           <a:p>
-            <a:pPr indent="-228600" lvl="0" marL="457200" rtl="0">
+            <a:pPr marL="457200" lvl="0" indent="-228600" rtl="0">
               <a:lnSpc>
                 <a:spcPct val="200000"/>
               </a:lnSpc>
@@ -4014,7 +4316,7 @@
               <a:buChar char="●"/>
             </a:pPr>
             <a:r>
-              <a:rPr b="1" lang="fr">
+              <a:rPr lang="fr" b="1">
                 <a:solidFill>
                   <a:srgbClr val="F3F3F3"/>
                 </a:solidFill>
@@ -4023,7 +4325,7 @@
             </a:r>
           </a:p>
           <a:p>
-            <a:pPr indent="-228600" lvl="0" marL="457200" rtl="0">
+            <a:pPr marL="457200" lvl="0" indent="-228600" rtl="0">
               <a:lnSpc>
                 <a:spcPct val="200000"/>
               </a:lnSpc>
@@ -4036,7 +4338,7 @@
               <a:buChar char="●"/>
             </a:pPr>
             <a:r>
-              <a:rPr b="1" lang="fr">
+              <a:rPr lang="fr" b="1">
                 <a:solidFill>
                   <a:srgbClr val="F3F3F3"/>
                 </a:solidFill>
@@ -4055,11 +4357,82 @@
 </file>
 
 <file path=ppt/slides/slide2.xml><?xml version="1.0" encoding="utf-8"?>
-<p:sld xmlns:a="http://schemas.openxmlformats.org/drawingml/2006/main" xmlns:r="http://schemas.openxmlformats.org/officeDocument/2006/relationships" xmlns:mc="http://schemas.openxmlformats.org/markup-compatibility/2006" xmlns:mv="urn:schemas-microsoft-com:mac:vml" xmlns:p="http://schemas.openxmlformats.org/presentationml/2006/main" xmlns:c="http://schemas.openxmlformats.org/drawingml/2006/chart" xmlns:dgm="http://schemas.openxmlformats.org/drawingml/2006/diagram" xmlns:o="urn:schemas-microsoft-com:office:office" xmlns:v="urn:schemas-microsoft-com:vml" xmlns:pvml="urn:schemas-microsoft-com:office:powerpoint" xmlns:com="http://schemas.openxmlformats.org/drawingml/2006/compatibility" xmlns:p14="http://schemas.microsoft.com/office/powerpoint/2010/main">
+<p:sld xmlns:a="http://schemas.openxmlformats.org/drawingml/2006/main" xmlns:r="http://schemas.openxmlformats.org/officeDocument/2006/relationships" xmlns:p="http://schemas.openxmlformats.org/presentationml/2006/main">
   <p:cSld>
     <p:spTree>
       <p:nvGrpSpPr>
-        <p:cNvPr id="61" name="Shape 61"/>
+        <p:cNvPr id="1" name=""/>
+        <p:cNvGrpSpPr/>
+        <p:nvPr/>
+      </p:nvGrpSpPr>
+      <p:grpSpPr>
+        <a:xfrm>
+          <a:off x="0" y="0"/>
+          <a:ext cx="0" cy="0"/>
+          <a:chOff x="0" y="0"/>
+          <a:chExt cx="0" cy="0"/>
+        </a:xfrm>
+      </p:grpSpPr>
+      <p:pic>
+        <p:nvPicPr>
+          <p:cNvPr id="1026" name="Picture 2" descr="C:\Users\Student\Desktop\tuto.png"/>
+          <p:cNvPicPr>
+            <a:picLocks noChangeAspect="1" noChangeArrowheads="1"/>
+          </p:cNvPicPr>
+          <p:nvPr/>
+        </p:nvPicPr>
+        <p:blipFill>
+          <a:blip r:embed="rId2">
+            <a:extLst>
+              <a:ext uri="{28A0092B-C50C-407E-A947-70E740481C1C}">
+                <a14:useLocalDpi xmlns:a14="http://schemas.microsoft.com/office/drawing/2010/main" val="0"/>
+              </a:ext>
+            </a:extLst>
+          </a:blip>
+          <a:srcRect/>
+          <a:stretch>
+            <a:fillRect/>
+          </a:stretch>
+        </p:blipFill>
+        <p:spPr bwMode="auto">
+          <a:xfrm>
+            <a:off x="0" y="-17991"/>
+            <a:ext cx="9143999" cy="5164513"/>
+          </a:xfrm>
+          <a:prstGeom prst="rect">
+            <a:avLst/>
+          </a:prstGeom>
+          <a:noFill/>
+          <a:extLst>
+            <a:ext uri="{909E8E84-426E-40DD-AFC4-6F175D3DCCD1}">
+              <a14:hiddenFill xmlns:a14="http://schemas.microsoft.com/office/drawing/2010/main">
+                <a:solidFill>
+                  <a:srgbClr val="FFFFFF"/>
+                </a:solidFill>
+              </a14:hiddenFill>
+            </a:ext>
+          </a:extLst>
+        </p:spPr>
+      </p:pic>
+    </p:spTree>
+    <p:extLst>
+      <p:ext uri="{BB962C8B-B14F-4D97-AF65-F5344CB8AC3E}">
+        <p14:creationId xmlns:p14="http://schemas.microsoft.com/office/powerpoint/2010/main" val="1372854669"/>
+      </p:ext>
+    </p:extLst>
+  </p:cSld>
+  <p:clrMapOvr>
+    <a:masterClrMapping/>
+  </p:clrMapOvr>
+</p:sld>
+</file>
+
+<file path=ppt/slides/slide3.xml><?xml version="1.0" encoding="utf-8"?>
+<p:sld xmlns:a="http://schemas.openxmlformats.org/drawingml/2006/main" xmlns:r="http://schemas.openxmlformats.org/officeDocument/2006/relationships" xmlns:p="http://schemas.openxmlformats.org/presentationml/2006/main">
+  <p:cSld>
+    <p:spTree>
+      <p:nvGrpSpPr>
+        <p:cNvPr id="1" name="Shape 61"/>
         <p:cNvGrpSpPr/>
         <p:nvPr/>
       </p:nvGrpSpPr>
@@ -4101,6 +4474,62 @@
       </p:pic>
       <p:sp>
         <p:nvSpPr>
+          <p:cNvPr id="6" name="Rectangle 5"/>
+          <p:cNvSpPr/>
+          <p:nvPr/>
+        </p:nvSpPr>
+        <p:spPr>
+          <a:xfrm>
+            <a:off x="0" y="-12"/>
+            <a:ext cx="9144000" cy="5143500"/>
+          </a:xfrm>
+          <a:prstGeom prst="rect">
+            <a:avLst/>
+          </a:prstGeom>
+          <a:solidFill>
+            <a:srgbClr val="000000">
+              <a:alpha val="60000"/>
+            </a:srgbClr>
+          </a:solidFill>
+          <a:ln>
+            <a:solidFill>
+              <a:srgbClr val="000000">
+                <a:alpha val="10196"/>
+              </a:srgbClr>
+            </a:solidFill>
+          </a:ln>
+        </p:spPr>
+        <p:style>
+          <a:lnRef idx="2">
+            <a:schemeClr val="accent1">
+              <a:shade val="50000"/>
+            </a:schemeClr>
+          </a:lnRef>
+          <a:fillRef idx="1">
+            <a:schemeClr val="accent1"/>
+          </a:fillRef>
+          <a:effectRef idx="0">
+            <a:schemeClr val="accent1"/>
+          </a:effectRef>
+          <a:fontRef idx="minor">
+            <a:schemeClr val="lt1"/>
+          </a:fontRef>
+        </p:style>
+        <p:txBody>
+          <a:bodyPr rtlCol="0" anchor="ctr"/>
+          <a:lstStyle/>
+          <a:p>
+            <a:pPr algn="ctr"/>
+            <a:r>
+              <a:rPr lang="fr-BE" dirty="0" smtClean="0"/>
+              <a:t>           </a:t>
+            </a:r>
+            <a:endParaRPr lang="fr-FR" dirty="0"/>
+          </a:p>
+        </p:txBody>
+      </p:sp>
+      <p:sp>
+        <p:nvSpPr>
           <p:cNvPr id="63" name="Shape 63"/>
           <p:cNvSpPr txBox="1"/>
           <p:nvPr/>
@@ -4119,12 +4548,12 @@
           </a:ln>
         </p:spPr>
         <p:txBody>
-          <a:bodyPr anchorCtr="0" anchor="t" bIns="91425" lIns="91425" rIns="91425" tIns="91425">
+          <a:bodyPr lIns="91425" tIns="91425" rIns="91425" bIns="91425" anchor="t" anchorCtr="0">
             <a:noAutofit/>
           </a:bodyPr>
           <a:lstStyle/>
           <a:p>
-            <a:pPr indent="-228600" lvl="0" marL="457200" rtl="0">
+            <a:pPr marL="457200" lvl="0" indent="-228600" rtl="0">
               <a:lnSpc>
                 <a:spcPct val="200000"/>
               </a:lnSpc>
@@ -4137,7 +4566,7 @@
               <a:buChar char="●"/>
             </a:pPr>
             <a:r>
-              <a:rPr b="1" lang="fr">
+              <a:rPr lang="fr" b="1">
                 <a:solidFill>
                   <a:srgbClr val="F3F3F3"/>
                 </a:solidFill>
@@ -4146,7 +4575,7 @@
             </a:r>
           </a:p>
           <a:p>
-            <a:pPr indent="-228600" lvl="0" marL="457200" rtl="0">
+            <a:pPr marL="457200" lvl="0" indent="-228600" rtl="0">
               <a:lnSpc>
                 <a:spcPct val="200000"/>
               </a:lnSpc>
@@ -4159,7 +4588,7 @@
               <a:buChar char="●"/>
             </a:pPr>
             <a:r>
-              <a:rPr b="1" lang="fr">
+              <a:rPr lang="fr" b="1">
                 <a:solidFill>
                   <a:srgbClr val="F3F3F3"/>
                 </a:solidFill>
@@ -4168,7 +4597,7 @@
             </a:r>
           </a:p>
           <a:p>
-            <a:pPr indent="-228600" lvl="0" marL="457200" rtl="0">
+            <a:pPr marL="457200" lvl="0" indent="-228600" rtl="0">
               <a:lnSpc>
                 <a:spcPct val="200000"/>
               </a:lnSpc>
@@ -4181,7 +4610,7 @@
               <a:buChar char="●"/>
             </a:pPr>
             <a:r>
-              <a:rPr b="1" lang="fr">
+              <a:rPr lang="fr" b="1">
                 <a:solidFill>
                   <a:srgbClr val="F3F3F3"/>
                 </a:solidFill>
@@ -4221,7 +4650,7 @@
       </p:pic>
       <p:pic>
         <p:nvPicPr>
-          <p:cNvPr descr="Résultat de recherche d'images pour &quot;challenge accepted png&quot;" id="65" name="Shape 65"/>
+          <p:cNvPr id="65" name="Shape 65" descr="Résultat de recherche d'images pour &quot;challenge accepted png&quot;"/>
           <p:cNvPicPr preferRelativeResize="0"/>
           <p:nvPr/>
         </p:nvPicPr>
@@ -4255,12 +4684,12 @@
 </p:sld>
 </file>
 
-<file path=ppt/slides/slide3.xml><?xml version="1.0" encoding="utf-8"?>
-<p:sld xmlns:a="http://schemas.openxmlformats.org/drawingml/2006/main" xmlns:r="http://schemas.openxmlformats.org/officeDocument/2006/relationships" xmlns:mc="http://schemas.openxmlformats.org/markup-compatibility/2006" xmlns:mv="urn:schemas-microsoft-com:mac:vml" xmlns:p="http://schemas.openxmlformats.org/presentationml/2006/main" xmlns:c="http://schemas.openxmlformats.org/drawingml/2006/chart" xmlns:dgm="http://schemas.openxmlformats.org/drawingml/2006/diagram" xmlns:o="urn:schemas-microsoft-com:office:office" xmlns:v="urn:schemas-microsoft-com:vml" xmlns:pvml="urn:schemas-microsoft-com:office:powerpoint" xmlns:com="http://schemas.openxmlformats.org/drawingml/2006/compatibility" xmlns:p14="http://schemas.microsoft.com/office/powerpoint/2010/main">
+<file path=ppt/slides/slide4.xml><?xml version="1.0" encoding="utf-8"?>
+<p:sld xmlns:a="http://schemas.openxmlformats.org/drawingml/2006/main" xmlns:r="http://schemas.openxmlformats.org/officeDocument/2006/relationships" xmlns:p="http://schemas.openxmlformats.org/presentationml/2006/main">
   <p:cSld>
     <p:spTree>
       <p:nvGrpSpPr>
-        <p:cNvPr id="69" name="Shape 69"/>
+        <p:cNvPr id="1" name="Shape 69"/>
         <p:cNvGrpSpPr/>
         <p:nvPr/>
       </p:nvGrpSpPr>
@@ -4300,6 +4729,58 @@
           </a:ln>
         </p:spPr>
       </p:pic>
+      <p:sp>
+        <p:nvSpPr>
+          <p:cNvPr id="5" name="Rectangle 4"/>
+          <p:cNvSpPr/>
+          <p:nvPr/>
+        </p:nvSpPr>
+        <p:spPr>
+          <a:xfrm>
+            <a:off x="0" y="0"/>
+            <a:ext cx="9144000" cy="5143500"/>
+          </a:xfrm>
+          <a:prstGeom prst="rect">
+            <a:avLst/>
+          </a:prstGeom>
+          <a:solidFill>
+            <a:srgbClr val="000000">
+              <a:alpha val="60000"/>
+            </a:srgbClr>
+          </a:solidFill>
+          <a:ln>
+            <a:solidFill>
+              <a:srgbClr val="000000">
+                <a:alpha val="10196"/>
+              </a:srgbClr>
+            </a:solidFill>
+          </a:ln>
+        </p:spPr>
+        <p:style>
+          <a:lnRef idx="2">
+            <a:schemeClr val="accent1">
+              <a:shade val="50000"/>
+            </a:schemeClr>
+          </a:lnRef>
+          <a:fillRef idx="1">
+            <a:schemeClr val="accent1"/>
+          </a:fillRef>
+          <a:effectRef idx="0">
+            <a:schemeClr val="accent1"/>
+          </a:effectRef>
+          <a:fontRef idx="minor">
+            <a:schemeClr val="lt1"/>
+          </a:fontRef>
+        </p:style>
+        <p:txBody>
+          <a:bodyPr rtlCol="0" anchor="ctr"/>
+          <a:lstStyle/>
+          <a:p>
+            <a:pPr algn="ctr"/>
+            <a:endParaRPr lang="fr-FR"/>
+          </a:p>
+        </p:txBody>
+      </p:sp>
       <p:pic>
         <p:nvPicPr>
           <p:cNvPr id="71" name="Shape 71"/>
@@ -4348,12 +4829,12 @@
           </a:ln>
         </p:spPr>
         <p:txBody>
-          <a:bodyPr anchorCtr="0" anchor="t" bIns="91425" lIns="91425" rIns="91425" tIns="91425">
+          <a:bodyPr lIns="91425" tIns="91425" rIns="91425" bIns="91425" anchor="t" anchorCtr="0">
             <a:noAutofit/>
           </a:bodyPr>
           <a:lstStyle/>
           <a:p>
-            <a:pPr lvl="0" rtl="0" algn="ctr">
+            <a:pPr lvl="0" algn="ctr" rtl="0">
               <a:lnSpc>
                 <a:spcPct val="200000"/>
               </a:lnSpc>
@@ -4363,7 +4844,7 @@
               <a:buNone/>
             </a:pPr>
             <a:r>
-              <a:rPr b="1" lang="fr">
+              <a:rPr lang="fr" b="1">
                 <a:solidFill>
                   <a:srgbClr val="F3F3F3"/>
                 </a:solidFill>
@@ -4372,7 +4853,7 @@
             </a:r>
           </a:p>
           <a:p>
-            <a:pPr lvl="0" rtl="0" algn="ctr">
+            <a:pPr lvl="0" algn="ctr" rtl="0">
               <a:lnSpc>
                 <a:spcPct val="200000"/>
               </a:lnSpc>
@@ -4381,9 +4862,6 @@
               </a:spcBef>
               <a:buNone/>
             </a:pPr>
-            <a:r>
-              <a:t/>
-            </a:r>
             <a:endParaRPr b="1">
               <a:solidFill>
                 <a:srgbClr val="F3F3F3"/>
@@ -4391,7 +4869,7 @@
             </a:endParaRPr>
           </a:p>
           <a:p>
-            <a:pPr lvl="0" rtl="0" algn="ctr">
+            <a:pPr lvl="0" algn="ctr" rtl="0">
               <a:lnSpc>
                 <a:spcPct val="200000"/>
               </a:lnSpc>
@@ -4419,9 +4897,6 @@
               </a:spcBef>
               <a:buNone/>
             </a:pPr>
-            <a:r>
-              <a:t/>
-            </a:r>
             <a:endParaRPr b="1">
               <a:solidFill>
                 <a:srgbClr val="F3F3F3"/>
@@ -4439,7 +4914,7 @@
 </file>
 
 <file path=ppt/theme/theme1.xml><?xml version="1.0" encoding="utf-8"?>
-<a:theme xmlns:a="http://schemas.openxmlformats.org/drawingml/2006/main" xmlns:r="http://schemas.openxmlformats.org/officeDocument/2006/relationships" name="simple-light-2">
+<a:theme xmlns:a="http://schemas.openxmlformats.org/drawingml/2006/main" name="simple-light-2">
   <a:themeElements>
     <a:clrScheme name="Simple Light">
       <a:dk1>
@@ -4714,11 +5189,13 @@
       </a:bgFillStyleLst>
     </a:fmtScheme>
   </a:themeElements>
+  <a:objectDefaults/>
+  <a:extraClrSchemeLst/>
 </a:theme>
 </file>
 
 <file path=ppt/theme/theme2.xml><?xml version="1.0" encoding="utf-8"?>
-<a:theme xmlns:a="http://schemas.openxmlformats.org/drawingml/2006/main" xmlns:r="http://schemas.openxmlformats.org/officeDocument/2006/relationships" name="Custom Theme">
+<a:theme xmlns:a="http://schemas.openxmlformats.org/drawingml/2006/main" name="Custom Theme">
   <a:themeElements>
     <a:clrScheme name="Default">
       <a:dk1>
@@ -4993,5 +5470,7 @@
       </a:bgFillStyleLst>
     </a:fmtScheme>
   </a:themeElements>
+  <a:objectDefaults/>
+  <a:extraClrSchemeLst/>
 </a:theme>
 </file>